--- a/docs/2018-04-13-parallel-tools.pptx
+++ b/docs/2018-04-13-parallel-tools.pptx
@@ -13,12 +13,12 @@
   <p:sldIdLst>
     <p:sldId id="256" r:id="rId2"/>
     <p:sldId id="258" r:id="rId3"/>
-    <p:sldId id="259" r:id="rId4"/>
-    <p:sldId id="260" r:id="rId5"/>
-    <p:sldId id="261" r:id="rId6"/>
-    <p:sldId id="270" r:id="rId7"/>
-    <p:sldId id="271" r:id="rId8"/>
-    <p:sldId id="272" r:id="rId9"/>
+    <p:sldId id="270" r:id="rId4"/>
+    <p:sldId id="271" r:id="rId5"/>
+    <p:sldId id="272" r:id="rId6"/>
+    <p:sldId id="259" r:id="rId7"/>
+    <p:sldId id="260" r:id="rId8"/>
+    <p:sldId id="261" r:id="rId9"/>
     <p:sldId id="262" r:id="rId10"/>
     <p:sldId id="257" r:id="rId11"/>
     <p:sldId id="265" r:id="rId12"/>
@@ -996,7 +996,7 @@
             <a:fld id="{941A07B9-C6B0-4601-82BC-9FBC743D722E}" type="slidenum">
               <a:rPr lang="nl-NL" smtClean="0"/>
               <a:pPr/>
-              <a:t>4</a:t>
+              <a:t>7</a:t>
             </a:fld>
             <a:endParaRPr lang="nl-NL"/>
           </a:p>
@@ -23143,6 +23143,17 @@
           <a:p>
             <a:r>
               <a:rPr lang="en-US" dirty="0"/>
+              <a:t>Running jobs: differences between LSG and </a:t>
+            </a:r>
+            <a:r>
+              <a:rPr lang="en-US" dirty="0" err="1"/>
+              <a:t>Cartesius</a:t>
+            </a:r>
+            <a:endParaRPr lang="en-US" dirty="0"/>
+          </a:p>
+          <a:p>
+            <a:r>
+              <a:rPr lang="en-US" dirty="0"/>
               <a:t>What is the problem?</a:t>
             </a:r>
           </a:p>
@@ -23264,1423 +23275,6 @@
 </file>
 
 <file path=ppt/slides/slide3.xml><?xml version="1.0" encoding="utf-8"?>
-<p:sld xmlns:a="http://schemas.openxmlformats.org/drawingml/2006/main" xmlns:r="http://schemas.openxmlformats.org/officeDocument/2006/relationships" xmlns:p="http://schemas.openxmlformats.org/presentationml/2006/main">
-  <p:cSld>
-    <p:spTree>
-      <p:nvGrpSpPr>
-        <p:cNvPr id="1" name=""/>
-        <p:cNvGrpSpPr/>
-        <p:nvPr/>
-      </p:nvGrpSpPr>
-      <p:grpSpPr>
-        <a:xfrm>
-          <a:off x="0" y="0"/>
-          <a:ext cx="0" cy="0"/>
-          <a:chOff x="0" y="0"/>
-          <a:chExt cx="0" cy="0"/>
-        </a:xfrm>
-      </p:grpSpPr>
-      <p:sp>
-        <p:nvSpPr>
-          <p:cNvPr id="2" name="Content Placeholder 1">
-            <a:extLst>
-              <a:ext uri="{FF2B5EF4-FFF2-40B4-BE49-F238E27FC236}">
-                <a16:creationId xmlns:a16="http://schemas.microsoft.com/office/drawing/2014/main" id="{DD2A4D9D-91C8-FB4D-98F0-ED9F4541CFA7}"/>
-              </a:ext>
-            </a:extLst>
-          </p:cNvPr>
-          <p:cNvSpPr>
-            <a:spLocks noGrp="1"/>
-          </p:cNvSpPr>
-          <p:nvPr>
-            <p:ph sz="quarter" idx="14"/>
-          </p:nvPr>
-        </p:nvSpPr>
-        <p:spPr/>
-        <p:txBody>
-          <a:bodyPr/>
-          <a:lstStyle/>
-          <a:p>
-            <a:pPr marL="0" indent="0">
-              <a:buNone/>
-            </a:pPr>
-            <a:r>
-              <a:rPr lang="en-US" dirty="0"/>
-              <a:t>On a life science cluster:</a:t>
-            </a:r>
-          </a:p>
-          <a:p>
-            <a:pPr marL="0" indent="0">
-              <a:buNone/>
-            </a:pPr>
-            <a:endParaRPr lang="en-US" dirty="0"/>
-          </a:p>
-          <a:p>
-            <a:pPr marL="0" indent="0">
-              <a:buNone/>
-            </a:pPr>
-            <a:endParaRPr lang="en-US" dirty="0"/>
-          </a:p>
-          <a:p>
-            <a:pPr marL="0" indent="0">
-              <a:buNone/>
-            </a:pPr>
-            <a:endParaRPr lang="en-US" dirty="0"/>
-          </a:p>
-          <a:p>
-            <a:pPr marL="0" indent="0">
-              <a:buNone/>
-            </a:pPr>
-            <a:endParaRPr lang="en-US" dirty="0"/>
-          </a:p>
-          <a:p>
-            <a:pPr marL="0" indent="0">
-              <a:buNone/>
-            </a:pPr>
-            <a:endParaRPr lang="en-US" dirty="0"/>
-          </a:p>
-          <a:p>
-            <a:pPr marL="0" indent="0">
-              <a:buNone/>
-            </a:pPr>
-            <a:r>
-              <a:rPr lang="en-US" dirty="0"/>
-              <a:t>- requests </a:t>
-            </a:r>
-            <a:r>
-              <a:rPr lang="en-US" b="1" dirty="0"/>
-              <a:t>2</a:t>
-            </a:r>
-            <a:r>
-              <a:rPr lang="en-US" dirty="0"/>
-              <a:t> processor cores; </a:t>
-            </a:r>
-            <a:r>
-              <a:rPr lang="en-US" b="1" dirty="0"/>
-              <a:t>you</a:t>
-            </a:r>
-            <a:r>
-              <a:rPr lang="en-US" dirty="0"/>
-              <a:t> </a:t>
-            </a:r>
-            <a:r>
-              <a:rPr lang="en-US" b="1" dirty="0"/>
-              <a:t>get</a:t>
-            </a:r>
-            <a:r>
-              <a:rPr lang="en-US" dirty="0"/>
-              <a:t> </a:t>
-            </a:r>
-            <a:r>
-              <a:rPr lang="en-US" b="1" dirty="0"/>
-              <a:t>2</a:t>
-            </a:r>
-            <a:r>
-              <a:rPr lang="en-US" dirty="0"/>
-              <a:t> processor cores</a:t>
-            </a:r>
-          </a:p>
-          <a:p>
-            <a:pPr marL="0" indent="0">
-              <a:buNone/>
-            </a:pPr>
-            <a:endParaRPr lang="en-US" dirty="0"/>
-          </a:p>
-          <a:p>
-            <a:pPr marL="0" indent="0">
-              <a:buNone/>
-            </a:pPr>
-            <a:r>
-              <a:rPr lang="en-US" dirty="0"/>
-              <a:t>On </a:t>
-            </a:r>
-            <a:r>
-              <a:rPr lang="en-US" dirty="0" err="1"/>
-              <a:t>Cartesius</a:t>
-            </a:r>
-            <a:r>
-              <a:rPr lang="en-US" dirty="0"/>
-              <a:t>, we do </a:t>
-            </a:r>
-            <a:r>
-              <a:rPr lang="en-US" i="1" dirty="0"/>
-              <a:t>whole-node scheduling:</a:t>
-            </a:r>
-          </a:p>
-          <a:p>
-            <a:pPr marL="0" indent="0">
-              <a:buNone/>
-            </a:pPr>
-            <a:endParaRPr lang="en-US" dirty="0"/>
-          </a:p>
-          <a:p>
-            <a:pPr marL="0" indent="0">
-              <a:buNone/>
-            </a:pPr>
-            <a:endParaRPr lang="en-US" dirty="0"/>
-          </a:p>
-          <a:p>
-            <a:pPr marL="0" indent="0">
-              <a:buNone/>
-            </a:pPr>
-            <a:endParaRPr lang="en-US" dirty="0"/>
-          </a:p>
-          <a:p>
-            <a:pPr>
-              <a:buFontTx/>
-              <a:buChar char="-"/>
-            </a:pPr>
-            <a:r>
-              <a:rPr lang="en-US" dirty="0"/>
-              <a:t>requests 2 cores for multithreaded application; </a:t>
-            </a:r>
-            <a:r>
-              <a:rPr lang="en-US" b="1" dirty="0"/>
-              <a:t>you get 1 node with 24 cores</a:t>
-            </a:r>
-          </a:p>
-          <a:p>
-            <a:pPr>
-              <a:buFontTx/>
-              <a:buChar char="-"/>
-            </a:pPr>
-            <a:endParaRPr lang="en-US" b="1" dirty="0"/>
-          </a:p>
-          <a:p>
-            <a:pPr>
-              <a:buFontTx/>
-              <a:buChar char="-"/>
-            </a:pPr>
-            <a:r>
-              <a:rPr lang="en-US" dirty="0"/>
-              <a:t>Jobs are always allocated </a:t>
-            </a:r>
-            <a:r>
-              <a:rPr lang="en-US" i="1" dirty="0"/>
-              <a:t>whole nodes </a:t>
-            </a:r>
-            <a:r>
-              <a:rPr lang="en-US" dirty="0"/>
-              <a:t>with 24 (thin) or 32 (fat/Broadwell) cores each</a:t>
-            </a:r>
-          </a:p>
-        </p:txBody>
-      </p:sp>
-      <p:sp>
-        <p:nvSpPr>
-          <p:cNvPr id="3" name="Title 2">
-            <a:extLst>
-              <a:ext uri="{FF2B5EF4-FFF2-40B4-BE49-F238E27FC236}">
-                <a16:creationId xmlns:a16="http://schemas.microsoft.com/office/drawing/2014/main" id="{9C86D6C4-5572-A347-BCA8-2113574E1AB8}"/>
-              </a:ext>
-            </a:extLst>
-          </p:cNvPr>
-          <p:cNvSpPr>
-            <a:spLocks noGrp="1"/>
-          </p:cNvSpPr>
-          <p:nvPr>
-            <p:ph type="title"/>
-          </p:nvPr>
-        </p:nvSpPr>
-        <p:spPr/>
-        <p:txBody>
-          <a:bodyPr/>
-          <a:lstStyle/>
-          <a:p>
-            <a:r>
-              <a:rPr lang="en-US" dirty="0"/>
-              <a:t>What is the problem?</a:t>
-            </a:r>
-          </a:p>
-        </p:txBody>
-      </p:sp>
-      <p:sp>
-        <p:nvSpPr>
-          <p:cNvPr id="4" name="Rounded Rectangle 3">
-            <a:extLst>
-              <a:ext uri="{FF2B5EF4-FFF2-40B4-BE49-F238E27FC236}">
-                <a16:creationId xmlns:a16="http://schemas.microsoft.com/office/drawing/2014/main" id="{3AEADC50-A459-9548-AF46-664E90A4F608}"/>
-              </a:ext>
-            </a:extLst>
-          </p:cNvPr>
-          <p:cNvSpPr/>
-          <p:nvPr/>
-        </p:nvSpPr>
-        <p:spPr>
-          <a:xfrm>
-            <a:off x="287337" y="2011680"/>
-            <a:ext cx="8567999" cy="1133856"/>
-          </a:xfrm>
-          <a:prstGeom prst="roundRect">
-            <a:avLst/>
-          </a:prstGeom>
-          <a:solidFill>
-            <a:schemeClr val="accent3">
-              <a:lumMod val="20000"/>
-              <a:lumOff val="80000"/>
-            </a:schemeClr>
-          </a:solidFill>
-          <a:ln w="3175"/>
-        </p:spPr>
-        <p:style>
-          <a:lnRef idx="2">
-            <a:schemeClr val="accent1">
-              <a:shade val="50000"/>
-            </a:schemeClr>
-          </a:lnRef>
-          <a:fillRef idx="1">
-            <a:schemeClr val="accent1"/>
-          </a:fillRef>
-          <a:effectRef idx="0">
-            <a:schemeClr val="accent1"/>
-          </a:effectRef>
-          <a:fontRef idx="minor">
-            <a:schemeClr val="lt1"/>
-          </a:fontRef>
-        </p:style>
-        <p:txBody>
-          <a:bodyPr rtlCol="0" anchor="t"/>
-          <a:lstStyle/>
-          <a:p>
-            <a:r>
-              <a:rPr lang="en-US" dirty="0">
-                <a:solidFill>
-                  <a:schemeClr val="tx1"/>
-                </a:solidFill>
-                <a:latin typeface="Consolas" panose="020B0609020204030204" pitchFamily="49" charset="0"/>
-                <a:cs typeface="Consolas" panose="020B0609020204030204" pitchFamily="49" charset="0"/>
-              </a:rPr>
-              <a:t>#!/bin/bash</a:t>
-            </a:r>
-          </a:p>
-          <a:p>
-            <a:r>
-              <a:rPr lang="en-US" dirty="0">
-                <a:solidFill>
-                  <a:schemeClr val="tx1"/>
-                </a:solidFill>
-                <a:latin typeface="Consolas" panose="020B0609020204030204" pitchFamily="49" charset="0"/>
-                <a:cs typeface="Consolas" panose="020B0609020204030204" pitchFamily="49" charset="0"/>
-              </a:rPr>
-              <a:t>#PBS </a:t>
-            </a:r>
-            <a:r>
-              <a:rPr lang="en-US" b="1" dirty="0">
-                <a:solidFill>
-                  <a:schemeClr val="tx1"/>
-                </a:solidFill>
-                <a:latin typeface="Consolas" panose="020B0609020204030204" pitchFamily="49" charset="0"/>
-                <a:cs typeface="Consolas" panose="020B0609020204030204" pitchFamily="49" charset="0"/>
-              </a:rPr>
-              <a:t>–l nodes=1:ppn=2</a:t>
-            </a:r>
-          </a:p>
-          <a:p>
-            <a:r>
-              <a:rPr lang="en-US" dirty="0">
-                <a:solidFill>
-                  <a:schemeClr val="tx1"/>
-                </a:solidFill>
-                <a:latin typeface="Consolas" panose="020B0609020204030204" pitchFamily="49" charset="0"/>
-                <a:cs typeface="Consolas" panose="020B0609020204030204" pitchFamily="49" charset="0"/>
-              </a:rPr>
-              <a:t>...</a:t>
-            </a:r>
-          </a:p>
-        </p:txBody>
-      </p:sp>
-      <p:sp>
-        <p:nvSpPr>
-          <p:cNvPr id="5" name="Rounded Rectangle 4">
-            <a:extLst>
-              <a:ext uri="{FF2B5EF4-FFF2-40B4-BE49-F238E27FC236}">
-                <a16:creationId xmlns:a16="http://schemas.microsoft.com/office/drawing/2014/main" id="{FF96F7C8-63F0-CB4C-A61F-78943413158A}"/>
-              </a:ext>
-            </a:extLst>
-          </p:cNvPr>
-          <p:cNvSpPr/>
-          <p:nvPr/>
-        </p:nvSpPr>
-        <p:spPr>
-          <a:xfrm>
-            <a:off x="287337" y="4075906"/>
-            <a:ext cx="8567999" cy="1209326"/>
-          </a:xfrm>
-          <a:prstGeom prst="roundRect">
-            <a:avLst/>
-          </a:prstGeom>
-          <a:solidFill>
-            <a:schemeClr val="accent3">
-              <a:lumMod val="20000"/>
-              <a:lumOff val="80000"/>
-            </a:schemeClr>
-          </a:solidFill>
-          <a:ln w="3175"/>
-        </p:spPr>
-        <p:style>
-          <a:lnRef idx="2">
-            <a:schemeClr val="accent1">
-              <a:shade val="50000"/>
-            </a:schemeClr>
-          </a:lnRef>
-          <a:fillRef idx="1">
-            <a:schemeClr val="accent1"/>
-          </a:fillRef>
-          <a:effectRef idx="0">
-            <a:schemeClr val="accent1"/>
-          </a:effectRef>
-          <a:fontRef idx="minor">
-            <a:schemeClr val="lt1"/>
-          </a:fontRef>
-        </p:style>
-        <p:txBody>
-          <a:bodyPr rtlCol="0" anchor="t"/>
-          <a:lstStyle/>
-          <a:p>
-            <a:r>
-              <a:rPr lang="en-US" dirty="0">
-                <a:solidFill>
-                  <a:schemeClr val="tx1"/>
-                </a:solidFill>
-                <a:latin typeface="Consolas" panose="020B0609020204030204" pitchFamily="49" charset="0"/>
-                <a:cs typeface="Consolas" panose="020B0609020204030204" pitchFamily="49" charset="0"/>
-              </a:rPr>
-              <a:t>#!/bin/bash</a:t>
-            </a:r>
-          </a:p>
-          <a:p>
-            <a:r>
-              <a:rPr lang="en-US" dirty="0">
-                <a:solidFill>
-                  <a:schemeClr val="tx1"/>
-                </a:solidFill>
-                <a:latin typeface="Consolas" panose="020B0609020204030204" pitchFamily="49" charset="0"/>
-                <a:cs typeface="Consolas" panose="020B0609020204030204" pitchFamily="49" charset="0"/>
-              </a:rPr>
-              <a:t>#SBATCH </a:t>
-            </a:r>
-            <a:r>
-              <a:rPr lang="en-US" b="1" dirty="0">
-                <a:solidFill>
-                  <a:schemeClr val="tx1"/>
-                </a:solidFill>
-                <a:latin typeface="Consolas" panose="020B0609020204030204" pitchFamily="49" charset="0"/>
-                <a:cs typeface="Consolas" panose="020B0609020204030204" pitchFamily="49" charset="0"/>
-              </a:rPr>
-              <a:t>–c 2</a:t>
-            </a:r>
-          </a:p>
-          <a:p>
-            <a:r>
-              <a:rPr lang="en-US" b="1" dirty="0">
-                <a:solidFill>
-                  <a:schemeClr val="tx1"/>
-                </a:solidFill>
-                <a:latin typeface="Consolas" panose="020B0609020204030204" pitchFamily="49" charset="0"/>
-                <a:cs typeface="Consolas" panose="020B0609020204030204" pitchFamily="49" charset="0"/>
-              </a:rPr>
-              <a:t>...</a:t>
-            </a:r>
-            <a:endParaRPr lang="en-US" dirty="0">
-              <a:solidFill>
-                <a:schemeClr val="tx1"/>
-              </a:solidFill>
-              <a:latin typeface="Consolas" panose="020B0609020204030204" pitchFamily="49" charset="0"/>
-              <a:cs typeface="Consolas" panose="020B0609020204030204" pitchFamily="49" charset="0"/>
-            </a:endParaRPr>
-          </a:p>
-        </p:txBody>
-      </p:sp>
-    </p:spTree>
-    <p:extLst>
-      <p:ext uri="{BB962C8B-B14F-4D97-AF65-F5344CB8AC3E}">
-        <p14:creationId xmlns:p14="http://schemas.microsoft.com/office/powerpoint/2010/main" val="1996971692"/>
-      </p:ext>
-    </p:extLst>
-  </p:cSld>
-  <p:clrMapOvr>
-    <a:masterClrMapping/>
-  </p:clrMapOvr>
-  <p:timing>
-    <p:tnLst>
-      <p:par>
-        <p:cTn id="1" dur="indefinite" restart="never" nodeType="tmRoot">
-          <p:childTnLst>
-            <p:seq concurrent="1" nextAc="seek">
-              <p:cTn id="2" dur="indefinite" nodeType="mainSeq">
-                <p:childTnLst>
-                  <p:par>
-                    <p:cTn id="3" fill="hold">
-                      <p:stCondLst>
-                        <p:cond delay="indefinite"/>
-                      </p:stCondLst>
-                      <p:childTnLst>
-                        <p:par>
-                          <p:cTn id="4" fill="hold">
-                            <p:stCondLst>
-                              <p:cond delay="0"/>
-                            </p:stCondLst>
-                            <p:childTnLst>
-                              <p:par>
-                                <p:cTn id="5" presetID="1" presetClass="entr" presetSubtype="0" fill="hold" nodeType="clickEffect">
-                                  <p:stCondLst>
-                                    <p:cond delay="0"/>
-                                  </p:stCondLst>
-                                  <p:childTnLst>
-                                    <p:set>
-                                      <p:cBhvr>
-                                        <p:cTn id="6" dur="1" fill="hold">
-                                          <p:stCondLst>
-                                            <p:cond delay="0"/>
-                                          </p:stCondLst>
-                                        </p:cTn>
-                                        <p:tgtEl>
-                                          <p:spTgt spid="2">
-                                            <p:txEl>
-                                              <p:pRg st="0" end="0"/>
-                                            </p:txEl>
-                                          </p:spTgt>
-                                        </p:tgtEl>
-                                        <p:attrNameLst>
-                                          <p:attrName>style.visibility</p:attrName>
-                                        </p:attrNameLst>
-                                      </p:cBhvr>
-                                      <p:to>
-                                        <p:strVal val="visible"/>
-                                      </p:to>
-                                    </p:set>
-                                  </p:childTnLst>
-                                </p:cTn>
-                              </p:par>
-                              <p:par>
-                                <p:cTn id="7" presetID="1" presetClass="entr" presetSubtype="0" fill="hold" grpId="0" nodeType="withEffect">
-                                  <p:stCondLst>
-                                    <p:cond delay="0"/>
-                                  </p:stCondLst>
-                                  <p:childTnLst>
-                                    <p:set>
-                                      <p:cBhvr>
-                                        <p:cTn id="8" dur="1" fill="hold">
-                                          <p:stCondLst>
-                                            <p:cond delay="0"/>
-                                          </p:stCondLst>
-                                        </p:cTn>
-                                        <p:tgtEl>
-                                          <p:spTgt spid="4"/>
-                                        </p:tgtEl>
-                                        <p:attrNameLst>
-                                          <p:attrName>style.visibility</p:attrName>
-                                        </p:attrNameLst>
-                                      </p:cBhvr>
-                                      <p:to>
-                                        <p:strVal val="visible"/>
-                                      </p:to>
-                                    </p:set>
-                                  </p:childTnLst>
-                                </p:cTn>
-                              </p:par>
-                            </p:childTnLst>
-                          </p:cTn>
-                        </p:par>
-                      </p:childTnLst>
-                    </p:cTn>
-                  </p:par>
-                  <p:par>
-                    <p:cTn id="9" fill="hold">
-                      <p:stCondLst>
-                        <p:cond delay="indefinite"/>
-                      </p:stCondLst>
-                      <p:childTnLst>
-                        <p:par>
-                          <p:cTn id="10" fill="hold">
-                            <p:stCondLst>
-                              <p:cond delay="0"/>
-                            </p:stCondLst>
-                            <p:childTnLst>
-                              <p:par>
-                                <p:cTn id="11" presetID="1" presetClass="entr" presetSubtype="0" fill="hold" nodeType="clickEffect">
-                                  <p:stCondLst>
-                                    <p:cond delay="0"/>
-                                  </p:stCondLst>
-                                  <p:childTnLst>
-                                    <p:set>
-                                      <p:cBhvr>
-                                        <p:cTn id="12" dur="1" fill="hold">
-                                          <p:stCondLst>
-                                            <p:cond delay="0"/>
-                                          </p:stCondLst>
-                                        </p:cTn>
-                                        <p:tgtEl>
-                                          <p:spTgt spid="2">
-                                            <p:txEl>
-                                              <p:pRg st="6" end="6"/>
-                                            </p:txEl>
-                                          </p:spTgt>
-                                        </p:tgtEl>
-                                        <p:attrNameLst>
-                                          <p:attrName>style.visibility</p:attrName>
-                                        </p:attrNameLst>
-                                      </p:cBhvr>
-                                      <p:to>
-                                        <p:strVal val="visible"/>
-                                      </p:to>
-                                    </p:set>
-                                  </p:childTnLst>
-                                </p:cTn>
-                              </p:par>
-                            </p:childTnLst>
-                          </p:cTn>
-                        </p:par>
-                      </p:childTnLst>
-                    </p:cTn>
-                  </p:par>
-                  <p:par>
-                    <p:cTn id="13" fill="hold">
-                      <p:stCondLst>
-                        <p:cond delay="indefinite"/>
-                      </p:stCondLst>
-                      <p:childTnLst>
-                        <p:par>
-                          <p:cTn id="14" fill="hold">
-                            <p:stCondLst>
-                              <p:cond delay="0"/>
-                            </p:stCondLst>
-                            <p:childTnLst>
-                              <p:par>
-                                <p:cTn id="15" presetID="1" presetClass="entr" presetSubtype="0" fill="hold" nodeType="clickEffect">
-                                  <p:stCondLst>
-                                    <p:cond delay="0"/>
-                                  </p:stCondLst>
-                                  <p:childTnLst>
-                                    <p:set>
-                                      <p:cBhvr>
-                                        <p:cTn id="16" dur="1" fill="hold">
-                                          <p:stCondLst>
-                                            <p:cond delay="0"/>
-                                          </p:stCondLst>
-                                        </p:cTn>
-                                        <p:tgtEl>
-                                          <p:spTgt spid="2">
-                                            <p:txEl>
-                                              <p:pRg st="8" end="8"/>
-                                            </p:txEl>
-                                          </p:spTgt>
-                                        </p:tgtEl>
-                                        <p:attrNameLst>
-                                          <p:attrName>style.visibility</p:attrName>
-                                        </p:attrNameLst>
-                                      </p:cBhvr>
-                                      <p:to>
-                                        <p:strVal val="visible"/>
-                                      </p:to>
-                                    </p:set>
-                                  </p:childTnLst>
-                                </p:cTn>
-                              </p:par>
-                              <p:par>
-                                <p:cTn id="17" presetID="1" presetClass="entr" presetSubtype="0" fill="hold" grpId="0" nodeType="withEffect">
-                                  <p:stCondLst>
-                                    <p:cond delay="0"/>
-                                  </p:stCondLst>
-                                  <p:childTnLst>
-                                    <p:set>
-                                      <p:cBhvr>
-                                        <p:cTn id="18" dur="1" fill="hold">
-                                          <p:stCondLst>
-                                            <p:cond delay="0"/>
-                                          </p:stCondLst>
-                                        </p:cTn>
-                                        <p:tgtEl>
-                                          <p:spTgt spid="5"/>
-                                        </p:tgtEl>
-                                        <p:attrNameLst>
-                                          <p:attrName>style.visibility</p:attrName>
-                                        </p:attrNameLst>
-                                      </p:cBhvr>
-                                      <p:to>
-                                        <p:strVal val="visible"/>
-                                      </p:to>
-                                    </p:set>
-                                  </p:childTnLst>
-                                </p:cTn>
-                              </p:par>
-                            </p:childTnLst>
-                          </p:cTn>
-                        </p:par>
-                      </p:childTnLst>
-                    </p:cTn>
-                  </p:par>
-                  <p:par>
-                    <p:cTn id="19" fill="hold">
-                      <p:stCondLst>
-                        <p:cond delay="indefinite"/>
-                      </p:stCondLst>
-                      <p:childTnLst>
-                        <p:par>
-                          <p:cTn id="20" fill="hold">
-                            <p:stCondLst>
-                              <p:cond delay="0"/>
-                            </p:stCondLst>
-                            <p:childTnLst>
-                              <p:par>
-                                <p:cTn id="21" presetID="1" presetClass="entr" presetSubtype="0" fill="hold" nodeType="clickEffect">
-                                  <p:stCondLst>
-                                    <p:cond delay="0"/>
-                                  </p:stCondLst>
-                                  <p:childTnLst>
-                                    <p:set>
-                                      <p:cBhvr>
-                                        <p:cTn id="22" dur="1" fill="hold">
-                                          <p:stCondLst>
-                                            <p:cond delay="0"/>
-                                          </p:stCondLst>
-                                        </p:cTn>
-                                        <p:tgtEl>
-                                          <p:spTgt spid="2">
-                                            <p:txEl>
-                                              <p:pRg st="12" end="12"/>
-                                            </p:txEl>
-                                          </p:spTgt>
-                                        </p:tgtEl>
-                                        <p:attrNameLst>
-                                          <p:attrName>style.visibility</p:attrName>
-                                        </p:attrNameLst>
-                                      </p:cBhvr>
-                                      <p:to>
-                                        <p:strVal val="visible"/>
-                                      </p:to>
-                                    </p:set>
-                                  </p:childTnLst>
-                                </p:cTn>
-                              </p:par>
-                            </p:childTnLst>
-                          </p:cTn>
-                        </p:par>
-                      </p:childTnLst>
-                    </p:cTn>
-                  </p:par>
-                  <p:par>
-                    <p:cTn id="23" fill="hold">
-                      <p:stCondLst>
-                        <p:cond delay="indefinite"/>
-                      </p:stCondLst>
-                      <p:childTnLst>
-                        <p:par>
-                          <p:cTn id="24" fill="hold">
-                            <p:stCondLst>
-                              <p:cond delay="0"/>
-                            </p:stCondLst>
-                            <p:childTnLst>
-                              <p:par>
-                                <p:cTn id="25" presetID="1" presetClass="entr" presetSubtype="0" fill="hold" nodeType="clickEffect">
-                                  <p:stCondLst>
-                                    <p:cond delay="0"/>
-                                  </p:stCondLst>
-                                  <p:childTnLst>
-                                    <p:set>
-                                      <p:cBhvr>
-                                        <p:cTn id="26" dur="1" fill="hold">
-                                          <p:stCondLst>
-                                            <p:cond delay="0"/>
-                                          </p:stCondLst>
-                                        </p:cTn>
-                                        <p:tgtEl>
-                                          <p:spTgt spid="2">
-                                            <p:txEl>
-                                              <p:pRg st="14" end="14"/>
-                                            </p:txEl>
-                                          </p:spTgt>
-                                        </p:tgtEl>
-                                        <p:attrNameLst>
-                                          <p:attrName>style.visibility</p:attrName>
-                                        </p:attrNameLst>
-                                      </p:cBhvr>
-                                      <p:to>
-                                        <p:strVal val="visible"/>
-                                      </p:to>
-                                    </p:set>
-                                  </p:childTnLst>
-                                </p:cTn>
-                              </p:par>
-                            </p:childTnLst>
-                          </p:cTn>
-                        </p:par>
-                      </p:childTnLst>
-                    </p:cTn>
-                  </p:par>
-                </p:childTnLst>
-              </p:cTn>
-              <p:prevCondLst>
-                <p:cond evt="onPrev" delay="0">
-                  <p:tgtEl>
-                    <p:sldTgt/>
-                  </p:tgtEl>
-                </p:cond>
-              </p:prevCondLst>
-              <p:nextCondLst>
-                <p:cond evt="onNext" delay="0">
-                  <p:tgtEl>
-                    <p:sldTgt/>
-                  </p:tgtEl>
-                </p:cond>
-              </p:nextCondLst>
-            </p:seq>
-          </p:childTnLst>
-        </p:cTn>
-      </p:par>
-    </p:tnLst>
-    <p:bldLst>
-      <p:bldP spid="4" grpId="0" animBg="1"/>
-      <p:bldP spid="5" grpId="0" animBg="1"/>
-    </p:bldLst>
-  </p:timing>
-</p:sld>
-</file>
-
-<file path=ppt/slides/slide4.xml><?xml version="1.0" encoding="utf-8"?>
-<p:sld xmlns:a="http://schemas.openxmlformats.org/drawingml/2006/main" xmlns:r="http://schemas.openxmlformats.org/officeDocument/2006/relationships" xmlns:p="http://schemas.openxmlformats.org/presentationml/2006/main">
-  <p:cSld>
-    <p:spTree>
-      <p:nvGrpSpPr>
-        <p:cNvPr id="1" name=""/>
-        <p:cNvGrpSpPr/>
-        <p:nvPr/>
-      </p:nvGrpSpPr>
-      <p:grpSpPr>
-        <a:xfrm>
-          <a:off x="0" y="0"/>
-          <a:ext cx="0" cy="0"/>
-          <a:chOff x="0" y="0"/>
-          <a:chExt cx="0" cy="0"/>
-        </a:xfrm>
-      </p:grpSpPr>
-      <p:sp>
-        <p:nvSpPr>
-          <p:cNvPr id="2" name="Content Placeholder 1">
-            <a:extLst>
-              <a:ext uri="{FF2B5EF4-FFF2-40B4-BE49-F238E27FC236}">
-                <a16:creationId xmlns:a16="http://schemas.microsoft.com/office/drawing/2014/main" id="{7F03C103-7BE8-A64D-B3BD-2449858F8831}"/>
-              </a:ext>
-            </a:extLst>
-          </p:cNvPr>
-          <p:cNvSpPr>
-            <a:spLocks noGrp="1"/>
-          </p:cNvSpPr>
-          <p:nvPr>
-            <p:ph sz="quarter" idx="14"/>
-          </p:nvPr>
-        </p:nvSpPr>
-        <p:spPr/>
-        <p:txBody>
-          <a:bodyPr/>
-          <a:lstStyle/>
-          <a:p>
-            <a:pPr marL="0" indent="0">
-              <a:buNone/>
-            </a:pPr>
-            <a:endParaRPr lang="en-US" i="1" dirty="0"/>
-          </a:p>
-          <a:p>
-            <a:pPr marL="0" indent="0">
-              <a:buNone/>
-            </a:pPr>
-            <a:r>
-              <a:rPr lang="en-US" dirty="0"/>
-              <a:t>Not using the whole node:</a:t>
-            </a:r>
-          </a:p>
-          <a:p>
-            <a:r>
-              <a:rPr lang="en-US" dirty="0"/>
-              <a:t>is slow</a:t>
-            </a:r>
-          </a:p>
-          <a:p>
-            <a:r>
-              <a:rPr lang="en-US" dirty="0"/>
-              <a:t>is expensive</a:t>
-            </a:r>
-          </a:p>
-          <a:p>
-            <a:endParaRPr lang="en-US" dirty="0"/>
-          </a:p>
-          <a:p>
-            <a:pPr marL="0" indent="0">
-              <a:buNone/>
-            </a:pPr>
-            <a:r>
-              <a:rPr lang="en-US" i="1" dirty="0"/>
-              <a:t>Best practice: always try to use the whole node.</a:t>
-            </a:r>
-          </a:p>
-          <a:p>
-            <a:pPr marL="0" indent="0">
-              <a:buNone/>
-            </a:pPr>
-            <a:endParaRPr lang="en-US" dirty="0"/>
-          </a:p>
-        </p:txBody>
-      </p:sp>
-      <p:sp>
-        <p:nvSpPr>
-          <p:cNvPr id="3" name="Title 2">
-            <a:extLst>
-              <a:ext uri="{FF2B5EF4-FFF2-40B4-BE49-F238E27FC236}">
-                <a16:creationId xmlns:a16="http://schemas.microsoft.com/office/drawing/2014/main" id="{AA7183F2-DEBC-A144-BC03-1F64353E6737}"/>
-              </a:ext>
-            </a:extLst>
-          </p:cNvPr>
-          <p:cNvSpPr>
-            <a:spLocks noGrp="1"/>
-          </p:cNvSpPr>
-          <p:nvPr>
-            <p:ph type="title"/>
-          </p:nvPr>
-        </p:nvSpPr>
-        <p:spPr/>
-        <p:txBody>
-          <a:bodyPr/>
-          <a:lstStyle/>
-          <a:p>
-            <a:r>
-              <a:rPr lang="en-US" dirty="0"/>
-              <a:t>Why should I care?</a:t>
-            </a:r>
-          </a:p>
-        </p:txBody>
-      </p:sp>
-    </p:spTree>
-    <p:extLst>
-      <p:ext uri="{BB962C8B-B14F-4D97-AF65-F5344CB8AC3E}">
-        <p14:creationId xmlns:p14="http://schemas.microsoft.com/office/powerpoint/2010/main" val="1513680534"/>
-      </p:ext>
-    </p:extLst>
-  </p:cSld>
-  <p:clrMapOvr>
-    <a:masterClrMapping/>
-  </p:clrMapOvr>
-</p:sld>
-</file>
-
-<file path=ppt/slides/slide5.xml><?xml version="1.0" encoding="utf-8"?>
-<p:sld xmlns:a="http://schemas.openxmlformats.org/drawingml/2006/main" xmlns:r="http://schemas.openxmlformats.org/officeDocument/2006/relationships" xmlns:p="http://schemas.openxmlformats.org/presentationml/2006/main">
-  <p:cSld>
-    <p:spTree>
-      <p:nvGrpSpPr>
-        <p:cNvPr id="1" name=""/>
-        <p:cNvGrpSpPr/>
-        <p:nvPr/>
-      </p:nvGrpSpPr>
-      <p:grpSpPr>
-        <a:xfrm>
-          <a:off x="0" y="0"/>
-          <a:ext cx="0" cy="0"/>
-          <a:chOff x="0" y="0"/>
-          <a:chExt cx="0" cy="0"/>
-        </a:xfrm>
-      </p:grpSpPr>
-      <p:sp>
-        <p:nvSpPr>
-          <p:cNvPr id="2" name="Content Placeholder 1">
-            <a:extLst>
-              <a:ext uri="{FF2B5EF4-FFF2-40B4-BE49-F238E27FC236}">
-                <a16:creationId xmlns:a16="http://schemas.microsoft.com/office/drawing/2014/main" id="{3F787E82-0A8B-724A-8FF2-77905FFAD024}"/>
-              </a:ext>
-            </a:extLst>
-          </p:cNvPr>
-          <p:cNvSpPr>
-            <a:spLocks noGrp="1"/>
-          </p:cNvSpPr>
-          <p:nvPr>
-            <p:ph sz="quarter" idx="14"/>
-          </p:nvPr>
-        </p:nvSpPr>
-        <p:spPr/>
-        <p:txBody>
-          <a:bodyPr/>
-          <a:lstStyle/>
-          <a:p>
-            <a:pPr marL="0" indent="0">
-              <a:buNone/>
-            </a:pPr>
-            <a:r>
-              <a:rPr lang="en-US" dirty="0"/>
-              <a:t>By running </a:t>
-            </a:r>
-            <a:r>
-              <a:rPr lang="en-US" b="1" dirty="0"/>
-              <a:t>one </a:t>
-            </a:r>
-            <a:r>
-              <a:rPr lang="en-US" dirty="0"/>
-              <a:t>program on </a:t>
-            </a:r>
-            <a:r>
-              <a:rPr lang="en-US" b="1" dirty="0"/>
-              <a:t>multiple</a:t>
-            </a:r>
-            <a:r>
-              <a:rPr lang="en-US" dirty="0"/>
-              <a:t> cores in a node:</a:t>
-            </a:r>
-          </a:p>
-          <a:p>
-            <a:r>
-              <a:rPr lang="en-US" dirty="0"/>
-              <a:t>Multithreaded programs (shared memory)</a:t>
-            </a:r>
-            <a:br>
-              <a:rPr lang="en-US" dirty="0"/>
-            </a:br>
-            <a:r>
-              <a:rPr lang="en-US" i="1" dirty="0"/>
-              <a:t>  many bioinformatics tools can use multiple CPU cores, and some do so by default</a:t>
-            </a:r>
-          </a:p>
-          <a:p>
-            <a:r>
-              <a:rPr lang="en-US" dirty="0"/>
-              <a:t>Multi-process programs (distributed memory)</a:t>
-            </a:r>
-            <a:br>
-              <a:rPr lang="en-US" dirty="0"/>
-            </a:br>
-            <a:r>
-              <a:rPr lang="en-US" dirty="0"/>
-              <a:t>  </a:t>
-            </a:r>
-            <a:r>
-              <a:rPr lang="en-US" i="1" dirty="0"/>
-              <a:t>none of the bioinformatics tools use MPI</a:t>
-            </a:r>
-            <a:endParaRPr lang="en-US" dirty="0"/>
-          </a:p>
-          <a:p>
-            <a:endParaRPr lang="en-US" dirty="0"/>
-          </a:p>
-          <a:p>
-            <a:pPr marL="0" indent="0">
-              <a:buNone/>
-            </a:pPr>
-            <a:r>
-              <a:rPr lang="en-US" dirty="0"/>
-              <a:t>By running </a:t>
-            </a:r>
-            <a:r>
-              <a:rPr lang="en-US" b="1" dirty="0"/>
-              <a:t>multiple</a:t>
-            </a:r>
-            <a:r>
-              <a:rPr lang="en-US" dirty="0"/>
-              <a:t> programs each using </a:t>
-            </a:r>
-            <a:r>
-              <a:rPr lang="en-US" b="1" dirty="0"/>
-              <a:t>one</a:t>
-            </a:r>
-            <a:r>
-              <a:rPr lang="en-US" dirty="0"/>
-              <a:t> core in a node:</a:t>
-            </a:r>
-          </a:p>
-          <a:p>
-            <a:r>
-              <a:rPr lang="en-US" dirty="0"/>
-              <a:t>Backgrounding programs</a:t>
-            </a:r>
-            <a:br>
-              <a:rPr lang="en-US" dirty="0"/>
-            </a:br>
-            <a:r>
-              <a:rPr lang="en-US" dirty="0"/>
-              <a:t>  </a:t>
-            </a:r>
-            <a:r>
-              <a:rPr lang="en-US" i="1" dirty="0"/>
-              <a:t>run multiple single-threaded programs at the same time</a:t>
-            </a:r>
-          </a:p>
-          <a:p>
-            <a:r>
-              <a:rPr lang="en-US" dirty="0"/>
-              <a:t>Use </a:t>
-            </a:r>
-            <a:r>
-              <a:rPr lang="en-US" b="1" dirty="0"/>
-              <a:t>Array jobs</a:t>
-            </a:r>
-            <a:br>
-              <a:rPr lang="en-US" dirty="0"/>
-            </a:br>
-            <a:r>
-              <a:rPr lang="en-US" dirty="0"/>
-              <a:t>  </a:t>
-            </a:r>
-            <a:r>
-              <a:rPr lang="en-US" i="1" dirty="0"/>
-              <a:t>useful if work can be split easily, and results reassembled</a:t>
-            </a:r>
-          </a:p>
-          <a:p>
-            <a:r>
-              <a:rPr lang="en-US" dirty="0"/>
-              <a:t>Use </a:t>
-            </a:r>
-            <a:r>
-              <a:rPr lang="en-US" b="1" dirty="0" err="1"/>
-              <a:t>Stopos</a:t>
-            </a:r>
-            <a:br>
-              <a:rPr lang="en-US" dirty="0"/>
-            </a:br>
-            <a:r>
-              <a:rPr lang="en-US" dirty="0"/>
-              <a:t>  </a:t>
-            </a:r>
-            <a:r>
-              <a:rPr lang="en-US" i="1" dirty="0"/>
-              <a:t>useful if you have a large number of tasks</a:t>
-            </a:r>
-            <a:endParaRPr lang="en-US" dirty="0"/>
-          </a:p>
-          <a:p>
-            <a:endParaRPr lang="en-US" dirty="0"/>
-          </a:p>
-        </p:txBody>
-      </p:sp>
-      <p:sp>
-        <p:nvSpPr>
-          <p:cNvPr id="3" name="Title 2">
-            <a:extLst>
-              <a:ext uri="{FF2B5EF4-FFF2-40B4-BE49-F238E27FC236}">
-                <a16:creationId xmlns:a16="http://schemas.microsoft.com/office/drawing/2014/main" id="{557E24EC-1E1D-094C-AD1A-655C888AE607}"/>
-              </a:ext>
-            </a:extLst>
-          </p:cNvPr>
-          <p:cNvSpPr>
-            <a:spLocks noGrp="1"/>
-          </p:cNvSpPr>
-          <p:nvPr>
-            <p:ph type="title"/>
-          </p:nvPr>
-        </p:nvSpPr>
-        <p:spPr/>
-        <p:txBody>
-          <a:bodyPr/>
-          <a:lstStyle/>
-          <a:p>
-            <a:r>
-              <a:rPr lang="en-US" dirty="0"/>
-              <a:t>So… how do I use </a:t>
-            </a:r>
-            <a:r>
-              <a:rPr lang="en-US" dirty="0" err="1"/>
-              <a:t>Cartesius</a:t>
-            </a:r>
-            <a:r>
-              <a:rPr lang="en-US" dirty="0"/>
-              <a:t> efficiently?</a:t>
-            </a:r>
-          </a:p>
-        </p:txBody>
-      </p:sp>
-    </p:spTree>
-    <p:extLst>
-      <p:ext uri="{BB962C8B-B14F-4D97-AF65-F5344CB8AC3E}">
-        <p14:creationId xmlns:p14="http://schemas.microsoft.com/office/powerpoint/2010/main" val="3771504862"/>
-      </p:ext>
-    </p:extLst>
-  </p:cSld>
-  <p:clrMapOvr>
-    <a:masterClrMapping/>
-  </p:clrMapOvr>
-  <p:timing>
-    <p:tnLst>
-      <p:par>
-        <p:cTn id="1" dur="indefinite" restart="never" nodeType="tmRoot">
-          <p:childTnLst>
-            <p:seq concurrent="1" nextAc="seek">
-              <p:cTn id="2" dur="indefinite" nodeType="mainSeq">
-                <p:childTnLst>
-                  <p:par>
-                    <p:cTn id="3" fill="hold">
-                      <p:stCondLst>
-                        <p:cond delay="indefinite"/>
-                      </p:stCondLst>
-                      <p:childTnLst>
-                        <p:par>
-                          <p:cTn id="4" fill="hold">
-                            <p:stCondLst>
-                              <p:cond delay="0"/>
-                            </p:stCondLst>
-                            <p:childTnLst>
-                              <p:par>
-                                <p:cTn id="5" presetID="1" presetClass="entr" presetSubtype="0" fill="hold" nodeType="clickEffect">
-                                  <p:stCondLst>
-                                    <p:cond delay="0"/>
-                                  </p:stCondLst>
-                                  <p:childTnLst>
-                                    <p:set>
-                                      <p:cBhvr>
-                                        <p:cTn id="6" dur="1" fill="hold">
-                                          <p:stCondLst>
-                                            <p:cond delay="0"/>
-                                          </p:stCondLst>
-                                        </p:cTn>
-                                        <p:tgtEl>
-                                          <p:spTgt spid="2">
-                                            <p:txEl>
-                                              <p:pRg st="0" end="0"/>
-                                            </p:txEl>
-                                          </p:spTgt>
-                                        </p:tgtEl>
-                                        <p:attrNameLst>
-                                          <p:attrName>style.visibility</p:attrName>
-                                        </p:attrNameLst>
-                                      </p:cBhvr>
-                                      <p:to>
-                                        <p:strVal val="visible"/>
-                                      </p:to>
-                                    </p:set>
-                                  </p:childTnLst>
-                                </p:cTn>
-                              </p:par>
-                              <p:par>
-                                <p:cTn id="7" presetID="1" presetClass="entr" presetSubtype="0" fill="hold" nodeType="withEffect">
-                                  <p:stCondLst>
-                                    <p:cond delay="0"/>
-                                  </p:stCondLst>
-                                  <p:childTnLst>
-                                    <p:set>
-                                      <p:cBhvr>
-                                        <p:cTn id="8" dur="1" fill="hold">
-                                          <p:stCondLst>
-                                            <p:cond delay="0"/>
-                                          </p:stCondLst>
-                                        </p:cTn>
-                                        <p:tgtEl>
-                                          <p:spTgt spid="2">
-                                            <p:txEl>
-                                              <p:pRg st="1" end="1"/>
-                                            </p:txEl>
-                                          </p:spTgt>
-                                        </p:tgtEl>
-                                        <p:attrNameLst>
-                                          <p:attrName>style.visibility</p:attrName>
-                                        </p:attrNameLst>
-                                      </p:cBhvr>
-                                      <p:to>
-                                        <p:strVal val="visible"/>
-                                      </p:to>
-                                    </p:set>
-                                  </p:childTnLst>
-                                </p:cTn>
-                              </p:par>
-                              <p:par>
-                                <p:cTn id="9" presetID="1" presetClass="entr" presetSubtype="0" fill="hold" nodeType="withEffect">
-                                  <p:stCondLst>
-                                    <p:cond delay="0"/>
-                                  </p:stCondLst>
-                                  <p:childTnLst>
-                                    <p:set>
-                                      <p:cBhvr>
-                                        <p:cTn id="10" dur="1" fill="hold">
-                                          <p:stCondLst>
-                                            <p:cond delay="0"/>
-                                          </p:stCondLst>
-                                        </p:cTn>
-                                        <p:tgtEl>
-                                          <p:spTgt spid="2">
-                                            <p:txEl>
-                                              <p:pRg st="2" end="2"/>
-                                            </p:txEl>
-                                          </p:spTgt>
-                                        </p:tgtEl>
-                                        <p:attrNameLst>
-                                          <p:attrName>style.visibility</p:attrName>
-                                        </p:attrNameLst>
-                                      </p:cBhvr>
-                                      <p:to>
-                                        <p:strVal val="visible"/>
-                                      </p:to>
-                                    </p:set>
-                                  </p:childTnLst>
-                                </p:cTn>
-                              </p:par>
-                            </p:childTnLst>
-                          </p:cTn>
-                        </p:par>
-                      </p:childTnLst>
-                    </p:cTn>
-                  </p:par>
-                  <p:par>
-                    <p:cTn id="11" fill="hold">
-                      <p:stCondLst>
-                        <p:cond delay="indefinite"/>
-                      </p:stCondLst>
-                      <p:childTnLst>
-                        <p:par>
-                          <p:cTn id="12" fill="hold">
-                            <p:stCondLst>
-                              <p:cond delay="0"/>
-                            </p:stCondLst>
-                            <p:childTnLst>
-                              <p:par>
-                                <p:cTn id="13" presetID="1" presetClass="entr" presetSubtype="0" fill="hold" nodeType="clickEffect">
-                                  <p:stCondLst>
-                                    <p:cond delay="0"/>
-                                  </p:stCondLst>
-                                  <p:childTnLst>
-                                    <p:set>
-                                      <p:cBhvr>
-                                        <p:cTn id="14" dur="1" fill="hold">
-                                          <p:stCondLst>
-                                            <p:cond delay="0"/>
-                                          </p:stCondLst>
-                                        </p:cTn>
-                                        <p:tgtEl>
-                                          <p:spTgt spid="2">
-                                            <p:txEl>
-                                              <p:pRg st="4" end="4"/>
-                                            </p:txEl>
-                                          </p:spTgt>
-                                        </p:tgtEl>
-                                        <p:attrNameLst>
-                                          <p:attrName>style.visibility</p:attrName>
-                                        </p:attrNameLst>
-                                      </p:cBhvr>
-                                      <p:to>
-                                        <p:strVal val="visible"/>
-                                      </p:to>
-                                    </p:set>
-                                  </p:childTnLst>
-                                </p:cTn>
-                              </p:par>
-                              <p:par>
-                                <p:cTn id="15" presetID="1" presetClass="entr" presetSubtype="0" fill="hold" nodeType="withEffect">
-                                  <p:stCondLst>
-                                    <p:cond delay="0"/>
-                                  </p:stCondLst>
-                                  <p:childTnLst>
-                                    <p:set>
-                                      <p:cBhvr>
-                                        <p:cTn id="16" dur="1" fill="hold">
-                                          <p:stCondLst>
-                                            <p:cond delay="0"/>
-                                          </p:stCondLst>
-                                        </p:cTn>
-                                        <p:tgtEl>
-                                          <p:spTgt spid="2">
-                                            <p:txEl>
-                                              <p:pRg st="5" end="5"/>
-                                            </p:txEl>
-                                          </p:spTgt>
-                                        </p:tgtEl>
-                                        <p:attrNameLst>
-                                          <p:attrName>style.visibility</p:attrName>
-                                        </p:attrNameLst>
-                                      </p:cBhvr>
-                                      <p:to>
-                                        <p:strVal val="visible"/>
-                                      </p:to>
-                                    </p:set>
-                                  </p:childTnLst>
-                                </p:cTn>
-                              </p:par>
-                              <p:par>
-                                <p:cTn id="17" presetID="1" presetClass="entr" presetSubtype="0" fill="hold" nodeType="withEffect">
-                                  <p:stCondLst>
-                                    <p:cond delay="0"/>
-                                  </p:stCondLst>
-                                  <p:childTnLst>
-                                    <p:set>
-                                      <p:cBhvr>
-                                        <p:cTn id="18" dur="1" fill="hold">
-                                          <p:stCondLst>
-                                            <p:cond delay="0"/>
-                                          </p:stCondLst>
-                                        </p:cTn>
-                                        <p:tgtEl>
-                                          <p:spTgt spid="2">
-                                            <p:txEl>
-                                              <p:pRg st="6" end="6"/>
-                                            </p:txEl>
-                                          </p:spTgt>
-                                        </p:tgtEl>
-                                        <p:attrNameLst>
-                                          <p:attrName>style.visibility</p:attrName>
-                                        </p:attrNameLst>
-                                      </p:cBhvr>
-                                      <p:to>
-                                        <p:strVal val="visible"/>
-                                      </p:to>
-                                    </p:set>
-                                  </p:childTnLst>
-                                </p:cTn>
-                              </p:par>
-                              <p:par>
-                                <p:cTn id="19" presetID="1" presetClass="entr" presetSubtype="0" fill="hold" nodeType="withEffect">
-                                  <p:stCondLst>
-                                    <p:cond delay="0"/>
-                                  </p:stCondLst>
-                                  <p:childTnLst>
-                                    <p:set>
-                                      <p:cBhvr>
-                                        <p:cTn id="20" dur="1" fill="hold">
-                                          <p:stCondLst>
-                                            <p:cond delay="0"/>
-                                          </p:stCondLst>
-                                        </p:cTn>
-                                        <p:tgtEl>
-                                          <p:spTgt spid="2">
-                                            <p:txEl>
-                                              <p:pRg st="7" end="7"/>
-                                            </p:txEl>
-                                          </p:spTgt>
-                                        </p:tgtEl>
-                                        <p:attrNameLst>
-                                          <p:attrName>style.visibility</p:attrName>
-                                        </p:attrNameLst>
-                                      </p:cBhvr>
-                                      <p:to>
-                                        <p:strVal val="visible"/>
-                                      </p:to>
-                                    </p:set>
-                                  </p:childTnLst>
-                                </p:cTn>
-                              </p:par>
-                            </p:childTnLst>
-                          </p:cTn>
-                        </p:par>
-                      </p:childTnLst>
-                    </p:cTn>
-                  </p:par>
-                </p:childTnLst>
-              </p:cTn>
-              <p:prevCondLst>
-                <p:cond evt="onPrev" delay="0">
-                  <p:tgtEl>
-                    <p:sldTgt/>
-                  </p:tgtEl>
-                </p:cond>
-              </p:prevCondLst>
-              <p:nextCondLst>
-                <p:cond evt="onNext" delay="0">
-                  <p:tgtEl>
-                    <p:sldTgt/>
-                  </p:tgtEl>
-                </p:cond>
-              </p:nextCondLst>
-            </p:seq>
-          </p:childTnLst>
-        </p:cTn>
-      </p:par>
-    </p:tnLst>
-  </p:timing>
-</p:sld>
-</file>
-
-<file path=ppt/slides/slide6.xml><?xml version="1.0" encoding="utf-8"?>
 <p:sld xmlns:a="http://schemas.openxmlformats.org/drawingml/2006/main" xmlns:r="http://schemas.openxmlformats.org/officeDocument/2006/relationships" xmlns:p="http://schemas.openxmlformats.org/presentationml/2006/main">
   <p:cSld>
     <p:spTree>
@@ -25290,7 +23884,7 @@
 </p:sld>
 </file>
 
-<file path=ppt/slides/slide7.xml><?xml version="1.0" encoding="utf-8"?>
+<file path=ppt/slides/slide4.xml><?xml version="1.0" encoding="utf-8"?>
 <p:sld xmlns:a="http://schemas.openxmlformats.org/drawingml/2006/main" xmlns:r="http://schemas.openxmlformats.org/officeDocument/2006/relationships" xmlns:p="http://schemas.openxmlformats.org/presentationml/2006/main">
   <p:cSld>
     <p:spTree>
@@ -25658,7 +24252,7 @@
 </p:sld>
 </file>
 
-<file path=ppt/slides/slide8.xml><?xml version="1.0" encoding="utf-8"?>
+<file path=ppt/slides/slide5.xml><?xml version="1.0" encoding="utf-8"?>
 <p:sld xmlns:a="http://schemas.openxmlformats.org/drawingml/2006/main" xmlns:r="http://schemas.openxmlformats.org/officeDocument/2006/relationships" xmlns:p="http://schemas.openxmlformats.org/presentationml/2006/main">
   <p:cSld>
     <p:spTree>
@@ -26159,6 +24753,1423 @@
   <p:clrMapOvr>
     <a:masterClrMapping/>
   </p:clrMapOvr>
+</p:sld>
+</file>
+
+<file path=ppt/slides/slide6.xml><?xml version="1.0" encoding="utf-8"?>
+<p:sld xmlns:a="http://schemas.openxmlformats.org/drawingml/2006/main" xmlns:r="http://schemas.openxmlformats.org/officeDocument/2006/relationships" xmlns:p="http://schemas.openxmlformats.org/presentationml/2006/main">
+  <p:cSld>
+    <p:spTree>
+      <p:nvGrpSpPr>
+        <p:cNvPr id="1" name=""/>
+        <p:cNvGrpSpPr/>
+        <p:nvPr/>
+      </p:nvGrpSpPr>
+      <p:grpSpPr>
+        <a:xfrm>
+          <a:off x="0" y="0"/>
+          <a:ext cx="0" cy="0"/>
+          <a:chOff x="0" y="0"/>
+          <a:chExt cx="0" cy="0"/>
+        </a:xfrm>
+      </p:grpSpPr>
+      <p:sp>
+        <p:nvSpPr>
+          <p:cNvPr id="2" name="Content Placeholder 1">
+            <a:extLst>
+              <a:ext uri="{FF2B5EF4-FFF2-40B4-BE49-F238E27FC236}">
+                <a16:creationId xmlns:a16="http://schemas.microsoft.com/office/drawing/2014/main" id="{DD2A4D9D-91C8-FB4D-98F0-ED9F4541CFA7}"/>
+              </a:ext>
+            </a:extLst>
+          </p:cNvPr>
+          <p:cNvSpPr>
+            <a:spLocks noGrp="1"/>
+          </p:cNvSpPr>
+          <p:nvPr>
+            <p:ph sz="quarter" idx="14"/>
+          </p:nvPr>
+        </p:nvSpPr>
+        <p:spPr/>
+        <p:txBody>
+          <a:bodyPr/>
+          <a:lstStyle/>
+          <a:p>
+            <a:pPr marL="0" indent="0">
+              <a:buNone/>
+            </a:pPr>
+            <a:r>
+              <a:rPr lang="en-US" dirty="0"/>
+              <a:t>On a life science cluster:</a:t>
+            </a:r>
+          </a:p>
+          <a:p>
+            <a:pPr marL="0" indent="0">
+              <a:buNone/>
+            </a:pPr>
+            <a:endParaRPr lang="en-US" dirty="0"/>
+          </a:p>
+          <a:p>
+            <a:pPr marL="0" indent="0">
+              <a:buNone/>
+            </a:pPr>
+            <a:endParaRPr lang="en-US" dirty="0"/>
+          </a:p>
+          <a:p>
+            <a:pPr marL="0" indent="0">
+              <a:buNone/>
+            </a:pPr>
+            <a:endParaRPr lang="en-US" dirty="0"/>
+          </a:p>
+          <a:p>
+            <a:pPr marL="0" indent="0">
+              <a:buNone/>
+            </a:pPr>
+            <a:endParaRPr lang="en-US" dirty="0"/>
+          </a:p>
+          <a:p>
+            <a:pPr marL="0" indent="0">
+              <a:buNone/>
+            </a:pPr>
+            <a:endParaRPr lang="en-US" dirty="0"/>
+          </a:p>
+          <a:p>
+            <a:pPr marL="0" indent="0">
+              <a:buNone/>
+            </a:pPr>
+            <a:r>
+              <a:rPr lang="en-US" dirty="0"/>
+              <a:t>- requests </a:t>
+            </a:r>
+            <a:r>
+              <a:rPr lang="en-US" b="1" dirty="0"/>
+              <a:t>2</a:t>
+            </a:r>
+            <a:r>
+              <a:rPr lang="en-US" dirty="0"/>
+              <a:t> processor cores; </a:t>
+            </a:r>
+            <a:r>
+              <a:rPr lang="en-US" b="1" dirty="0"/>
+              <a:t>you</a:t>
+            </a:r>
+            <a:r>
+              <a:rPr lang="en-US" dirty="0"/>
+              <a:t> </a:t>
+            </a:r>
+            <a:r>
+              <a:rPr lang="en-US" b="1" dirty="0"/>
+              <a:t>get</a:t>
+            </a:r>
+            <a:r>
+              <a:rPr lang="en-US" dirty="0"/>
+              <a:t> </a:t>
+            </a:r>
+            <a:r>
+              <a:rPr lang="en-US" b="1" dirty="0"/>
+              <a:t>2</a:t>
+            </a:r>
+            <a:r>
+              <a:rPr lang="en-US" dirty="0"/>
+              <a:t> processor cores</a:t>
+            </a:r>
+          </a:p>
+          <a:p>
+            <a:pPr marL="0" indent="0">
+              <a:buNone/>
+            </a:pPr>
+            <a:endParaRPr lang="en-US" dirty="0"/>
+          </a:p>
+          <a:p>
+            <a:pPr marL="0" indent="0">
+              <a:buNone/>
+            </a:pPr>
+            <a:r>
+              <a:rPr lang="en-US" dirty="0"/>
+              <a:t>On </a:t>
+            </a:r>
+            <a:r>
+              <a:rPr lang="en-US" dirty="0" err="1"/>
+              <a:t>Cartesius</a:t>
+            </a:r>
+            <a:r>
+              <a:rPr lang="en-US" dirty="0"/>
+              <a:t>, we do </a:t>
+            </a:r>
+            <a:r>
+              <a:rPr lang="en-US" i="1" dirty="0"/>
+              <a:t>whole-node scheduling:</a:t>
+            </a:r>
+          </a:p>
+          <a:p>
+            <a:pPr marL="0" indent="0">
+              <a:buNone/>
+            </a:pPr>
+            <a:endParaRPr lang="en-US" dirty="0"/>
+          </a:p>
+          <a:p>
+            <a:pPr marL="0" indent="0">
+              <a:buNone/>
+            </a:pPr>
+            <a:endParaRPr lang="en-US" dirty="0"/>
+          </a:p>
+          <a:p>
+            <a:pPr marL="0" indent="0">
+              <a:buNone/>
+            </a:pPr>
+            <a:endParaRPr lang="en-US" dirty="0"/>
+          </a:p>
+          <a:p>
+            <a:pPr>
+              <a:buFontTx/>
+              <a:buChar char="-"/>
+            </a:pPr>
+            <a:r>
+              <a:rPr lang="en-US" dirty="0"/>
+              <a:t>requests 2 cores for multithreaded application; </a:t>
+            </a:r>
+            <a:r>
+              <a:rPr lang="en-US" b="1" dirty="0"/>
+              <a:t>you get 1 node with 24 cores</a:t>
+            </a:r>
+          </a:p>
+          <a:p>
+            <a:pPr>
+              <a:buFontTx/>
+              <a:buChar char="-"/>
+            </a:pPr>
+            <a:endParaRPr lang="en-US" b="1" dirty="0"/>
+          </a:p>
+          <a:p>
+            <a:pPr>
+              <a:buFontTx/>
+              <a:buChar char="-"/>
+            </a:pPr>
+            <a:r>
+              <a:rPr lang="en-US" dirty="0"/>
+              <a:t>Jobs are always allocated </a:t>
+            </a:r>
+            <a:r>
+              <a:rPr lang="en-US" i="1" dirty="0"/>
+              <a:t>whole nodes </a:t>
+            </a:r>
+            <a:r>
+              <a:rPr lang="en-US" dirty="0"/>
+              <a:t>with 24 (thin) or 32 (fat/Broadwell) cores each</a:t>
+            </a:r>
+          </a:p>
+        </p:txBody>
+      </p:sp>
+      <p:sp>
+        <p:nvSpPr>
+          <p:cNvPr id="3" name="Title 2">
+            <a:extLst>
+              <a:ext uri="{FF2B5EF4-FFF2-40B4-BE49-F238E27FC236}">
+                <a16:creationId xmlns:a16="http://schemas.microsoft.com/office/drawing/2014/main" id="{9C86D6C4-5572-A347-BCA8-2113574E1AB8}"/>
+              </a:ext>
+            </a:extLst>
+          </p:cNvPr>
+          <p:cNvSpPr>
+            <a:spLocks noGrp="1"/>
+          </p:cNvSpPr>
+          <p:nvPr>
+            <p:ph type="title"/>
+          </p:nvPr>
+        </p:nvSpPr>
+        <p:spPr/>
+        <p:txBody>
+          <a:bodyPr/>
+          <a:lstStyle/>
+          <a:p>
+            <a:r>
+              <a:rPr lang="en-US" dirty="0"/>
+              <a:t>What is the problem?</a:t>
+            </a:r>
+          </a:p>
+        </p:txBody>
+      </p:sp>
+      <p:sp>
+        <p:nvSpPr>
+          <p:cNvPr id="4" name="Rounded Rectangle 3">
+            <a:extLst>
+              <a:ext uri="{FF2B5EF4-FFF2-40B4-BE49-F238E27FC236}">
+                <a16:creationId xmlns:a16="http://schemas.microsoft.com/office/drawing/2014/main" id="{3AEADC50-A459-9548-AF46-664E90A4F608}"/>
+              </a:ext>
+            </a:extLst>
+          </p:cNvPr>
+          <p:cNvSpPr/>
+          <p:nvPr/>
+        </p:nvSpPr>
+        <p:spPr>
+          <a:xfrm>
+            <a:off x="287337" y="2011680"/>
+            <a:ext cx="8567999" cy="1133856"/>
+          </a:xfrm>
+          <a:prstGeom prst="roundRect">
+            <a:avLst/>
+          </a:prstGeom>
+          <a:solidFill>
+            <a:schemeClr val="accent3">
+              <a:lumMod val="20000"/>
+              <a:lumOff val="80000"/>
+            </a:schemeClr>
+          </a:solidFill>
+          <a:ln w="3175"/>
+        </p:spPr>
+        <p:style>
+          <a:lnRef idx="2">
+            <a:schemeClr val="accent1">
+              <a:shade val="50000"/>
+            </a:schemeClr>
+          </a:lnRef>
+          <a:fillRef idx="1">
+            <a:schemeClr val="accent1"/>
+          </a:fillRef>
+          <a:effectRef idx="0">
+            <a:schemeClr val="accent1"/>
+          </a:effectRef>
+          <a:fontRef idx="minor">
+            <a:schemeClr val="lt1"/>
+          </a:fontRef>
+        </p:style>
+        <p:txBody>
+          <a:bodyPr rtlCol="0" anchor="t"/>
+          <a:lstStyle/>
+          <a:p>
+            <a:r>
+              <a:rPr lang="en-US" dirty="0">
+                <a:solidFill>
+                  <a:schemeClr val="tx1"/>
+                </a:solidFill>
+                <a:latin typeface="Consolas" panose="020B0609020204030204" pitchFamily="49" charset="0"/>
+                <a:cs typeface="Consolas" panose="020B0609020204030204" pitchFamily="49" charset="0"/>
+              </a:rPr>
+              <a:t>#!/bin/bash</a:t>
+            </a:r>
+          </a:p>
+          <a:p>
+            <a:r>
+              <a:rPr lang="en-US" dirty="0">
+                <a:solidFill>
+                  <a:schemeClr val="tx1"/>
+                </a:solidFill>
+                <a:latin typeface="Consolas" panose="020B0609020204030204" pitchFamily="49" charset="0"/>
+                <a:cs typeface="Consolas" panose="020B0609020204030204" pitchFamily="49" charset="0"/>
+              </a:rPr>
+              <a:t>#PBS </a:t>
+            </a:r>
+            <a:r>
+              <a:rPr lang="en-US" b="1" dirty="0">
+                <a:solidFill>
+                  <a:schemeClr val="tx1"/>
+                </a:solidFill>
+                <a:latin typeface="Consolas" panose="020B0609020204030204" pitchFamily="49" charset="0"/>
+                <a:cs typeface="Consolas" panose="020B0609020204030204" pitchFamily="49" charset="0"/>
+              </a:rPr>
+              <a:t>–l nodes=1:ppn=2</a:t>
+            </a:r>
+          </a:p>
+          <a:p>
+            <a:r>
+              <a:rPr lang="en-US" dirty="0">
+                <a:solidFill>
+                  <a:schemeClr val="tx1"/>
+                </a:solidFill>
+                <a:latin typeface="Consolas" panose="020B0609020204030204" pitchFamily="49" charset="0"/>
+                <a:cs typeface="Consolas" panose="020B0609020204030204" pitchFamily="49" charset="0"/>
+              </a:rPr>
+              <a:t>...</a:t>
+            </a:r>
+          </a:p>
+        </p:txBody>
+      </p:sp>
+      <p:sp>
+        <p:nvSpPr>
+          <p:cNvPr id="5" name="Rounded Rectangle 4">
+            <a:extLst>
+              <a:ext uri="{FF2B5EF4-FFF2-40B4-BE49-F238E27FC236}">
+                <a16:creationId xmlns:a16="http://schemas.microsoft.com/office/drawing/2014/main" id="{FF96F7C8-63F0-CB4C-A61F-78943413158A}"/>
+              </a:ext>
+            </a:extLst>
+          </p:cNvPr>
+          <p:cNvSpPr/>
+          <p:nvPr/>
+        </p:nvSpPr>
+        <p:spPr>
+          <a:xfrm>
+            <a:off x="287337" y="4075906"/>
+            <a:ext cx="8567999" cy="1209326"/>
+          </a:xfrm>
+          <a:prstGeom prst="roundRect">
+            <a:avLst/>
+          </a:prstGeom>
+          <a:solidFill>
+            <a:schemeClr val="accent3">
+              <a:lumMod val="20000"/>
+              <a:lumOff val="80000"/>
+            </a:schemeClr>
+          </a:solidFill>
+          <a:ln w="3175"/>
+        </p:spPr>
+        <p:style>
+          <a:lnRef idx="2">
+            <a:schemeClr val="accent1">
+              <a:shade val="50000"/>
+            </a:schemeClr>
+          </a:lnRef>
+          <a:fillRef idx="1">
+            <a:schemeClr val="accent1"/>
+          </a:fillRef>
+          <a:effectRef idx="0">
+            <a:schemeClr val="accent1"/>
+          </a:effectRef>
+          <a:fontRef idx="minor">
+            <a:schemeClr val="lt1"/>
+          </a:fontRef>
+        </p:style>
+        <p:txBody>
+          <a:bodyPr rtlCol="0" anchor="t"/>
+          <a:lstStyle/>
+          <a:p>
+            <a:r>
+              <a:rPr lang="en-US" dirty="0">
+                <a:solidFill>
+                  <a:schemeClr val="tx1"/>
+                </a:solidFill>
+                <a:latin typeface="Consolas" panose="020B0609020204030204" pitchFamily="49" charset="0"/>
+                <a:cs typeface="Consolas" panose="020B0609020204030204" pitchFamily="49" charset="0"/>
+              </a:rPr>
+              <a:t>#!/bin/bash</a:t>
+            </a:r>
+          </a:p>
+          <a:p>
+            <a:r>
+              <a:rPr lang="en-US" dirty="0">
+                <a:solidFill>
+                  <a:schemeClr val="tx1"/>
+                </a:solidFill>
+                <a:latin typeface="Consolas" panose="020B0609020204030204" pitchFamily="49" charset="0"/>
+                <a:cs typeface="Consolas" panose="020B0609020204030204" pitchFamily="49" charset="0"/>
+              </a:rPr>
+              <a:t>#SBATCH </a:t>
+            </a:r>
+            <a:r>
+              <a:rPr lang="en-US" b="1" dirty="0">
+                <a:solidFill>
+                  <a:schemeClr val="tx1"/>
+                </a:solidFill>
+                <a:latin typeface="Consolas" panose="020B0609020204030204" pitchFamily="49" charset="0"/>
+                <a:cs typeface="Consolas" panose="020B0609020204030204" pitchFamily="49" charset="0"/>
+              </a:rPr>
+              <a:t>–c 2</a:t>
+            </a:r>
+          </a:p>
+          <a:p>
+            <a:r>
+              <a:rPr lang="en-US" b="1" dirty="0">
+                <a:solidFill>
+                  <a:schemeClr val="tx1"/>
+                </a:solidFill>
+                <a:latin typeface="Consolas" panose="020B0609020204030204" pitchFamily="49" charset="0"/>
+                <a:cs typeface="Consolas" panose="020B0609020204030204" pitchFamily="49" charset="0"/>
+              </a:rPr>
+              <a:t>...</a:t>
+            </a:r>
+            <a:endParaRPr lang="en-US" dirty="0">
+              <a:solidFill>
+                <a:schemeClr val="tx1"/>
+              </a:solidFill>
+              <a:latin typeface="Consolas" panose="020B0609020204030204" pitchFamily="49" charset="0"/>
+              <a:cs typeface="Consolas" panose="020B0609020204030204" pitchFamily="49" charset="0"/>
+            </a:endParaRPr>
+          </a:p>
+        </p:txBody>
+      </p:sp>
+    </p:spTree>
+    <p:extLst>
+      <p:ext uri="{BB962C8B-B14F-4D97-AF65-F5344CB8AC3E}">
+        <p14:creationId xmlns:p14="http://schemas.microsoft.com/office/powerpoint/2010/main" val="1996971692"/>
+      </p:ext>
+    </p:extLst>
+  </p:cSld>
+  <p:clrMapOvr>
+    <a:masterClrMapping/>
+  </p:clrMapOvr>
+  <p:timing>
+    <p:tnLst>
+      <p:par>
+        <p:cTn id="1" dur="indefinite" restart="never" nodeType="tmRoot">
+          <p:childTnLst>
+            <p:seq concurrent="1" nextAc="seek">
+              <p:cTn id="2" dur="indefinite" nodeType="mainSeq">
+                <p:childTnLst>
+                  <p:par>
+                    <p:cTn id="3" fill="hold">
+                      <p:stCondLst>
+                        <p:cond delay="indefinite"/>
+                      </p:stCondLst>
+                      <p:childTnLst>
+                        <p:par>
+                          <p:cTn id="4" fill="hold">
+                            <p:stCondLst>
+                              <p:cond delay="0"/>
+                            </p:stCondLst>
+                            <p:childTnLst>
+                              <p:par>
+                                <p:cTn id="5" presetID="1" presetClass="entr" presetSubtype="0" fill="hold" nodeType="clickEffect">
+                                  <p:stCondLst>
+                                    <p:cond delay="0"/>
+                                  </p:stCondLst>
+                                  <p:childTnLst>
+                                    <p:set>
+                                      <p:cBhvr>
+                                        <p:cTn id="6" dur="1" fill="hold">
+                                          <p:stCondLst>
+                                            <p:cond delay="0"/>
+                                          </p:stCondLst>
+                                        </p:cTn>
+                                        <p:tgtEl>
+                                          <p:spTgt spid="2">
+                                            <p:txEl>
+                                              <p:pRg st="0" end="0"/>
+                                            </p:txEl>
+                                          </p:spTgt>
+                                        </p:tgtEl>
+                                        <p:attrNameLst>
+                                          <p:attrName>style.visibility</p:attrName>
+                                        </p:attrNameLst>
+                                      </p:cBhvr>
+                                      <p:to>
+                                        <p:strVal val="visible"/>
+                                      </p:to>
+                                    </p:set>
+                                  </p:childTnLst>
+                                </p:cTn>
+                              </p:par>
+                              <p:par>
+                                <p:cTn id="7" presetID="1" presetClass="entr" presetSubtype="0" fill="hold" grpId="0" nodeType="withEffect">
+                                  <p:stCondLst>
+                                    <p:cond delay="0"/>
+                                  </p:stCondLst>
+                                  <p:childTnLst>
+                                    <p:set>
+                                      <p:cBhvr>
+                                        <p:cTn id="8" dur="1" fill="hold">
+                                          <p:stCondLst>
+                                            <p:cond delay="0"/>
+                                          </p:stCondLst>
+                                        </p:cTn>
+                                        <p:tgtEl>
+                                          <p:spTgt spid="4"/>
+                                        </p:tgtEl>
+                                        <p:attrNameLst>
+                                          <p:attrName>style.visibility</p:attrName>
+                                        </p:attrNameLst>
+                                      </p:cBhvr>
+                                      <p:to>
+                                        <p:strVal val="visible"/>
+                                      </p:to>
+                                    </p:set>
+                                  </p:childTnLst>
+                                </p:cTn>
+                              </p:par>
+                            </p:childTnLst>
+                          </p:cTn>
+                        </p:par>
+                      </p:childTnLst>
+                    </p:cTn>
+                  </p:par>
+                  <p:par>
+                    <p:cTn id="9" fill="hold">
+                      <p:stCondLst>
+                        <p:cond delay="indefinite"/>
+                      </p:stCondLst>
+                      <p:childTnLst>
+                        <p:par>
+                          <p:cTn id="10" fill="hold">
+                            <p:stCondLst>
+                              <p:cond delay="0"/>
+                            </p:stCondLst>
+                            <p:childTnLst>
+                              <p:par>
+                                <p:cTn id="11" presetID="1" presetClass="entr" presetSubtype="0" fill="hold" nodeType="clickEffect">
+                                  <p:stCondLst>
+                                    <p:cond delay="0"/>
+                                  </p:stCondLst>
+                                  <p:childTnLst>
+                                    <p:set>
+                                      <p:cBhvr>
+                                        <p:cTn id="12" dur="1" fill="hold">
+                                          <p:stCondLst>
+                                            <p:cond delay="0"/>
+                                          </p:stCondLst>
+                                        </p:cTn>
+                                        <p:tgtEl>
+                                          <p:spTgt spid="2">
+                                            <p:txEl>
+                                              <p:pRg st="6" end="6"/>
+                                            </p:txEl>
+                                          </p:spTgt>
+                                        </p:tgtEl>
+                                        <p:attrNameLst>
+                                          <p:attrName>style.visibility</p:attrName>
+                                        </p:attrNameLst>
+                                      </p:cBhvr>
+                                      <p:to>
+                                        <p:strVal val="visible"/>
+                                      </p:to>
+                                    </p:set>
+                                  </p:childTnLst>
+                                </p:cTn>
+                              </p:par>
+                            </p:childTnLst>
+                          </p:cTn>
+                        </p:par>
+                      </p:childTnLst>
+                    </p:cTn>
+                  </p:par>
+                  <p:par>
+                    <p:cTn id="13" fill="hold">
+                      <p:stCondLst>
+                        <p:cond delay="indefinite"/>
+                      </p:stCondLst>
+                      <p:childTnLst>
+                        <p:par>
+                          <p:cTn id="14" fill="hold">
+                            <p:stCondLst>
+                              <p:cond delay="0"/>
+                            </p:stCondLst>
+                            <p:childTnLst>
+                              <p:par>
+                                <p:cTn id="15" presetID="1" presetClass="entr" presetSubtype="0" fill="hold" nodeType="clickEffect">
+                                  <p:stCondLst>
+                                    <p:cond delay="0"/>
+                                  </p:stCondLst>
+                                  <p:childTnLst>
+                                    <p:set>
+                                      <p:cBhvr>
+                                        <p:cTn id="16" dur="1" fill="hold">
+                                          <p:stCondLst>
+                                            <p:cond delay="0"/>
+                                          </p:stCondLst>
+                                        </p:cTn>
+                                        <p:tgtEl>
+                                          <p:spTgt spid="2">
+                                            <p:txEl>
+                                              <p:pRg st="8" end="8"/>
+                                            </p:txEl>
+                                          </p:spTgt>
+                                        </p:tgtEl>
+                                        <p:attrNameLst>
+                                          <p:attrName>style.visibility</p:attrName>
+                                        </p:attrNameLst>
+                                      </p:cBhvr>
+                                      <p:to>
+                                        <p:strVal val="visible"/>
+                                      </p:to>
+                                    </p:set>
+                                  </p:childTnLst>
+                                </p:cTn>
+                              </p:par>
+                              <p:par>
+                                <p:cTn id="17" presetID="1" presetClass="entr" presetSubtype="0" fill="hold" grpId="0" nodeType="withEffect">
+                                  <p:stCondLst>
+                                    <p:cond delay="0"/>
+                                  </p:stCondLst>
+                                  <p:childTnLst>
+                                    <p:set>
+                                      <p:cBhvr>
+                                        <p:cTn id="18" dur="1" fill="hold">
+                                          <p:stCondLst>
+                                            <p:cond delay="0"/>
+                                          </p:stCondLst>
+                                        </p:cTn>
+                                        <p:tgtEl>
+                                          <p:spTgt spid="5"/>
+                                        </p:tgtEl>
+                                        <p:attrNameLst>
+                                          <p:attrName>style.visibility</p:attrName>
+                                        </p:attrNameLst>
+                                      </p:cBhvr>
+                                      <p:to>
+                                        <p:strVal val="visible"/>
+                                      </p:to>
+                                    </p:set>
+                                  </p:childTnLst>
+                                </p:cTn>
+                              </p:par>
+                            </p:childTnLst>
+                          </p:cTn>
+                        </p:par>
+                      </p:childTnLst>
+                    </p:cTn>
+                  </p:par>
+                  <p:par>
+                    <p:cTn id="19" fill="hold">
+                      <p:stCondLst>
+                        <p:cond delay="indefinite"/>
+                      </p:stCondLst>
+                      <p:childTnLst>
+                        <p:par>
+                          <p:cTn id="20" fill="hold">
+                            <p:stCondLst>
+                              <p:cond delay="0"/>
+                            </p:stCondLst>
+                            <p:childTnLst>
+                              <p:par>
+                                <p:cTn id="21" presetID="1" presetClass="entr" presetSubtype="0" fill="hold" nodeType="clickEffect">
+                                  <p:stCondLst>
+                                    <p:cond delay="0"/>
+                                  </p:stCondLst>
+                                  <p:childTnLst>
+                                    <p:set>
+                                      <p:cBhvr>
+                                        <p:cTn id="22" dur="1" fill="hold">
+                                          <p:stCondLst>
+                                            <p:cond delay="0"/>
+                                          </p:stCondLst>
+                                        </p:cTn>
+                                        <p:tgtEl>
+                                          <p:spTgt spid="2">
+                                            <p:txEl>
+                                              <p:pRg st="12" end="12"/>
+                                            </p:txEl>
+                                          </p:spTgt>
+                                        </p:tgtEl>
+                                        <p:attrNameLst>
+                                          <p:attrName>style.visibility</p:attrName>
+                                        </p:attrNameLst>
+                                      </p:cBhvr>
+                                      <p:to>
+                                        <p:strVal val="visible"/>
+                                      </p:to>
+                                    </p:set>
+                                  </p:childTnLst>
+                                </p:cTn>
+                              </p:par>
+                            </p:childTnLst>
+                          </p:cTn>
+                        </p:par>
+                      </p:childTnLst>
+                    </p:cTn>
+                  </p:par>
+                  <p:par>
+                    <p:cTn id="23" fill="hold">
+                      <p:stCondLst>
+                        <p:cond delay="indefinite"/>
+                      </p:stCondLst>
+                      <p:childTnLst>
+                        <p:par>
+                          <p:cTn id="24" fill="hold">
+                            <p:stCondLst>
+                              <p:cond delay="0"/>
+                            </p:stCondLst>
+                            <p:childTnLst>
+                              <p:par>
+                                <p:cTn id="25" presetID="1" presetClass="entr" presetSubtype="0" fill="hold" nodeType="clickEffect">
+                                  <p:stCondLst>
+                                    <p:cond delay="0"/>
+                                  </p:stCondLst>
+                                  <p:childTnLst>
+                                    <p:set>
+                                      <p:cBhvr>
+                                        <p:cTn id="26" dur="1" fill="hold">
+                                          <p:stCondLst>
+                                            <p:cond delay="0"/>
+                                          </p:stCondLst>
+                                        </p:cTn>
+                                        <p:tgtEl>
+                                          <p:spTgt spid="2">
+                                            <p:txEl>
+                                              <p:pRg st="14" end="14"/>
+                                            </p:txEl>
+                                          </p:spTgt>
+                                        </p:tgtEl>
+                                        <p:attrNameLst>
+                                          <p:attrName>style.visibility</p:attrName>
+                                        </p:attrNameLst>
+                                      </p:cBhvr>
+                                      <p:to>
+                                        <p:strVal val="visible"/>
+                                      </p:to>
+                                    </p:set>
+                                  </p:childTnLst>
+                                </p:cTn>
+                              </p:par>
+                            </p:childTnLst>
+                          </p:cTn>
+                        </p:par>
+                      </p:childTnLst>
+                    </p:cTn>
+                  </p:par>
+                </p:childTnLst>
+              </p:cTn>
+              <p:prevCondLst>
+                <p:cond evt="onPrev" delay="0">
+                  <p:tgtEl>
+                    <p:sldTgt/>
+                  </p:tgtEl>
+                </p:cond>
+              </p:prevCondLst>
+              <p:nextCondLst>
+                <p:cond evt="onNext" delay="0">
+                  <p:tgtEl>
+                    <p:sldTgt/>
+                  </p:tgtEl>
+                </p:cond>
+              </p:nextCondLst>
+            </p:seq>
+          </p:childTnLst>
+        </p:cTn>
+      </p:par>
+    </p:tnLst>
+    <p:bldLst>
+      <p:bldP spid="4" grpId="0" animBg="1"/>
+      <p:bldP spid="5" grpId="0" animBg="1"/>
+    </p:bldLst>
+  </p:timing>
+</p:sld>
+</file>
+
+<file path=ppt/slides/slide7.xml><?xml version="1.0" encoding="utf-8"?>
+<p:sld xmlns:a="http://schemas.openxmlformats.org/drawingml/2006/main" xmlns:r="http://schemas.openxmlformats.org/officeDocument/2006/relationships" xmlns:p="http://schemas.openxmlformats.org/presentationml/2006/main">
+  <p:cSld>
+    <p:spTree>
+      <p:nvGrpSpPr>
+        <p:cNvPr id="1" name=""/>
+        <p:cNvGrpSpPr/>
+        <p:nvPr/>
+      </p:nvGrpSpPr>
+      <p:grpSpPr>
+        <a:xfrm>
+          <a:off x="0" y="0"/>
+          <a:ext cx="0" cy="0"/>
+          <a:chOff x="0" y="0"/>
+          <a:chExt cx="0" cy="0"/>
+        </a:xfrm>
+      </p:grpSpPr>
+      <p:sp>
+        <p:nvSpPr>
+          <p:cNvPr id="2" name="Content Placeholder 1">
+            <a:extLst>
+              <a:ext uri="{FF2B5EF4-FFF2-40B4-BE49-F238E27FC236}">
+                <a16:creationId xmlns:a16="http://schemas.microsoft.com/office/drawing/2014/main" id="{7F03C103-7BE8-A64D-B3BD-2449858F8831}"/>
+              </a:ext>
+            </a:extLst>
+          </p:cNvPr>
+          <p:cNvSpPr>
+            <a:spLocks noGrp="1"/>
+          </p:cNvSpPr>
+          <p:nvPr>
+            <p:ph sz="quarter" idx="14"/>
+          </p:nvPr>
+        </p:nvSpPr>
+        <p:spPr/>
+        <p:txBody>
+          <a:bodyPr/>
+          <a:lstStyle/>
+          <a:p>
+            <a:pPr marL="0" indent="0">
+              <a:buNone/>
+            </a:pPr>
+            <a:endParaRPr lang="en-US" i="1" dirty="0"/>
+          </a:p>
+          <a:p>
+            <a:pPr marL="0" indent="0">
+              <a:buNone/>
+            </a:pPr>
+            <a:r>
+              <a:rPr lang="en-US" dirty="0"/>
+              <a:t>Not using the whole node:</a:t>
+            </a:r>
+          </a:p>
+          <a:p>
+            <a:r>
+              <a:rPr lang="en-US" dirty="0"/>
+              <a:t>is slow</a:t>
+            </a:r>
+          </a:p>
+          <a:p>
+            <a:r>
+              <a:rPr lang="en-US" dirty="0"/>
+              <a:t>is expensive</a:t>
+            </a:r>
+          </a:p>
+          <a:p>
+            <a:endParaRPr lang="en-US" dirty="0"/>
+          </a:p>
+          <a:p>
+            <a:pPr marL="0" indent="0">
+              <a:buNone/>
+            </a:pPr>
+            <a:r>
+              <a:rPr lang="en-US" i="1" dirty="0"/>
+              <a:t>Best practice: always try to use the whole node.</a:t>
+            </a:r>
+          </a:p>
+          <a:p>
+            <a:pPr marL="0" indent="0">
+              <a:buNone/>
+            </a:pPr>
+            <a:endParaRPr lang="en-US" dirty="0"/>
+          </a:p>
+        </p:txBody>
+      </p:sp>
+      <p:sp>
+        <p:nvSpPr>
+          <p:cNvPr id="3" name="Title 2">
+            <a:extLst>
+              <a:ext uri="{FF2B5EF4-FFF2-40B4-BE49-F238E27FC236}">
+                <a16:creationId xmlns:a16="http://schemas.microsoft.com/office/drawing/2014/main" id="{AA7183F2-DEBC-A144-BC03-1F64353E6737}"/>
+              </a:ext>
+            </a:extLst>
+          </p:cNvPr>
+          <p:cNvSpPr>
+            <a:spLocks noGrp="1"/>
+          </p:cNvSpPr>
+          <p:nvPr>
+            <p:ph type="title"/>
+          </p:nvPr>
+        </p:nvSpPr>
+        <p:spPr/>
+        <p:txBody>
+          <a:bodyPr/>
+          <a:lstStyle/>
+          <a:p>
+            <a:r>
+              <a:rPr lang="en-US" dirty="0"/>
+              <a:t>Why should I care?</a:t>
+            </a:r>
+          </a:p>
+        </p:txBody>
+      </p:sp>
+    </p:spTree>
+    <p:extLst>
+      <p:ext uri="{BB962C8B-B14F-4D97-AF65-F5344CB8AC3E}">
+        <p14:creationId xmlns:p14="http://schemas.microsoft.com/office/powerpoint/2010/main" val="1513680534"/>
+      </p:ext>
+    </p:extLst>
+  </p:cSld>
+  <p:clrMapOvr>
+    <a:masterClrMapping/>
+  </p:clrMapOvr>
+</p:sld>
+</file>
+
+<file path=ppt/slides/slide8.xml><?xml version="1.0" encoding="utf-8"?>
+<p:sld xmlns:a="http://schemas.openxmlformats.org/drawingml/2006/main" xmlns:r="http://schemas.openxmlformats.org/officeDocument/2006/relationships" xmlns:p="http://schemas.openxmlformats.org/presentationml/2006/main">
+  <p:cSld>
+    <p:spTree>
+      <p:nvGrpSpPr>
+        <p:cNvPr id="1" name=""/>
+        <p:cNvGrpSpPr/>
+        <p:nvPr/>
+      </p:nvGrpSpPr>
+      <p:grpSpPr>
+        <a:xfrm>
+          <a:off x="0" y="0"/>
+          <a:ext cx="0" cy="0"/>
+          <a:chOff x="0" y="0"/>
+          <a:chExt cx="0" cy="0"/>
+        </a:xfrm>
+      </p:grpSpPr>
+      <p:sp>
+        <p:nvSpPr>
+          <p:cNvPr id="2" name="Content Placeholder 1">
+            <a:extLst>
+              <a:ext uri="{FF2B5EF4-FFF2-40B4-BE49-F238E27FC236}">
+                <a16:creationId xmlns:a16="http://schemas.microsoft.com/office/drawing/2014/main" id="{3F787E82-0A8B-724A-8FF2-77905FFAD024}"/>
+              </a:ext>
+            </a:extLst>
+          </p:cNvPr>
+          <p:cNvSpPr>
+            <a:spLocks noGrp="1"/>
+          </p:cNvSpPr>
+          <p:nvPr>
+            <p:ph sz="quarter" idx="14"/>
+          </p:nvPr>
+        </p:nvSpPr>
+        <p:spPr/>
+        <p:txBody>
+          <a:bodyPr/>
+          <a:lstStyle/>
+          <a:p>
+            <a:pPr marL="0" indent="0">
+              <a:buNone/>
+            </a:pPr>
+            <a:r>
+              <a:rPr lang="en-US" dirty="0"/>
+              <a:t>By running </a:t>
+            </a:r>
+            <a:r>
+              <a:rPr lang="en-US" b="1" dirty="0"/>
+              <a:t>one </a:t>
+            </a:r>
+            <a:r>
+              <a:rPr lang="en-US" dirty="0"/>
+              <a:t>program on </a:t>
+            </a:r>
+            <a:r>
+              <a:rPr lang="en-US" b="1" dirty="0"/>
+              <a:t>multiple</a:t>
+            </a:r>
+            <a:r>
+              <a:rPr lang="en-US" dirty="0"/>
+              <a:t> cores in a node:</a:t>
+            </a:r>
+          </a:p>
+          <a:p>
+            <a:r>
+              <a:rPr lang="en-US" dirty="0"/>
+              <a:t>Multithreaded programs (shared memory)</a:t>
+            </a:r>
+            <a:br>
+              <a:rPr lang="en-US" dirty="0"/>
+            </a:br>
+            <a:r>
+              <a:rPr lang="en-US" i="1" dirty="0"/>
+              <a:t>  many bioinformatics tools can use multiple CPU cores, and some do so by default</a:t>
+            </a:r>
+          </a:p>
+          <a:p>
+            <a:r>
+              <a:rPr lang="en-US" dirty="0"/>
+              <a:t>Multi-process programs (distributed memory)</a:t>
+            </a:r>
+            <a:br>
+              <a:rPr lang="en-US" dirty="0"/>
+            </a:br>
+            <a:r>
+              <a:rPr lang="en-US" dirty="0"/>
+              <a:t>  </a:t>
+            </a:r>
+            <a:r>
+              <a:rPr lang="en-US" i="1" dirty="0"/>
+              <a:t>none of the bioinformatics tools use MPI</a:t>
+            </a:r>
+            <a:endParaRPr lang="en-US" dirty="0"/>
+          </a:p>
+          <a:p>
+            <a:endParaRPr lang="en-US" dirty="0"/>
+          </a:p>
+          <a:p>
+            <a:pPr marL="0" indent="0">
+              <a:buNone/>
+            </a:pPr>
+            <a:r>
+              <a:rPr lang="en-US" dirty="0"/>
+              <a:t>By running </a:t>
+            </a:r>
+            <a:r>
+              <a:rPr lang="en-US" b="1" dirty="0"/>
+              <a:t>multiple</a:t>
+            </a:r>
+            <a:r>
+              <a:rPr lang="en-US" dirty="0"/>
+              <a:t> programs each using </a:t>
+            </a:r>
+            <a:r>
+              <a:rPr lang="en-US" b="1" dirty="0"/>
+              <a:t>one</a:t>
+            </a:r>
+            <a:r>
+              <a:rPr lang="en-US" dirty="0"/>
+              <a:t> core in a node:</a:t>
+            </a:r>
+          </a:p>
+          <a:p>
+            <a:r>
+              <a:rPr lang="en-US" dirty="0"/>
+              <a:t>Backgrounding programs</a:t>
+            </a:r>
+            <a:br>
+              <a:rPr lang="en-US" dirty="0"/>
+            </a:br>
+            <a:r>
+              <a:rPr lang="en-US" dirty="0"/>
+              <a:t>  </a:t>
+            </a:r>
+            <a:r>
+              <a:rPr lang="en-US" i="1" dirty="0"/>
+              <a:t>run multiple single-threaded programs at the same time</a:t>
+            </a:r>
+          </a:p>
+          <a:p>
+            <a:r>
+              <a:rPr lang="en-US" dirty="0"/>
+              <a:t>Use </a:t>
+            </a:r>
+            <a:r>
+              <a:rPr lang="en-US" b="1" dirty="0"/>
+              <a:t>Array jobs</a:t>
+            </a:r>
+            <a:br>
+              <a:rPr lang="en-US" dirty="0"/>
+            </a:br>
+            <a:r>
+              <a:rPr lang="en-US" dirty="0"/>
+              <a:t>  </a:t>
+            </a:r>
+            <a:r>
+              <a:rPr lang="en-US" i="1" dirty="0"/>
+              <a:t>useful if work can be split easily, and results reassembled</a:t>
+            </a:r>
+          </a:p>
+          <a:p>
+            <a:r>
+              <a:rPr lang="en-US" dirty="0"/>
+              <a:t>Use </a:t>
+            </a:r>
+            <a:r>
+              <a:rPr lang="en-US" b="1" dirty="0" err="1"/>
+              <a:t>Stopos</a:t>
+            </a:r>
+            <a:br>
+              <a:rPr lang="en-US" dirty="0"/>
+            </a:br>
+            <a:r>
+              <a:rPr lang="en-US" dirty="0"/>
+              <a:t>  </a:t>
+            </a:r>
+            <a:r>
+              <a:rPr lang="en-US" i="1" dirty="0"/>
+              <a:t>useful if you have a large number of tasks</a:t>
+            </a:r>
+            <a:endParaRPr lang="en-US" dirty="0"/>
+          </a:p>
+          <a:p>
+            <a:endParaRPr lang="en-US" dirty="0"/>
+          </a:p>
+        </p:txBody>
+      </p:sp>
+      <p:sp>
+        <p:nvSpPr>
+          <p:cNvPr id="3" name="Title 2">
+            <a:extLst>
+              <a:ext uri="{FF2B5EF4-FFF2-40B4-BE49-F238E27FC236}">
+                <a16:creationId xmlns:a16="http://schemas.microsoft.com/office/drawing/2014/main" id="{557E24EC-1E1D-094C-AD1A-655C888AE607}"/>
+              </a:ext>
+            </a:extLst>
+          </p:cNvPr>
+          <p:cNvSpPr>
+            <a:spLocks noGrp="1"/>
+          </p:cNvSpPr>
+          <p:nvPr>
+            <p:ph type="title"/>
+          </p:nvPr>
+        </p:nvSpPr>
+        <p:spPr/>
+        <p:txBody>
+          <a:bodyPr/>
+          <a:lstStyle/>
+          <a:p>
+            <a:r>
+              <a:rPr lang="en-US" dirty="0"/>
+              <a:t>So… how do I use </a:t>
+            </a:r>
+            <a:r>
+              <a:rPr lang="en-US" dirty="0" err="1"/>
+              <a:t>Cartesius</a:t>
+            </a:r>
+            <a:r>
+              <a:rPr lang="en-US" dirty="0"/>
+              <a:t> efficiently?</a:t>
+            </a:r>
+          </a:p>
+        </p:txBody>
+      </p:sp>
+    </p:spTree>
+    <p:extLst>
+      <p:ext uri="{BB962C8B-B14F-4D97-AF65-F5344CB8AC3E}">
+        <p14:creationId xmlns:p14="http://schemas.microsoft.com/office/powerpoint/2010/main" val="3771504862"/>
+      </p:ext>
+    </p:extLst>
+  </p:cSld>
+  <p:clrMapOvr>
+    <a:masterClrMapping/>
+  </p:clrMapOvr>
+  <p:timing>
+    <p:tnLst>
+      <p:par>
+        <p:cTn id="1" dur="indefinite" restart="never" nodeType="tmRoot">
+          <p:childTnLst>
+            <p:seq concurrent="1" nextAc="seek">
+              <p:cTn id="2" dur="indefinite" nodeType="mainSeq">
+                <p:childTnLst>
+                  <p:par>
+                    <p:cTn id="3" fill="hold">
+                      <p:stCondLst>
+                        <p:cond delay="indefinite"/>
+                      </p:stCondLst>
+                      <p:childTnLst>
+                        <p:par>
+                          <p:cTn id="4" fill="hold">
+                            <p:stCondLst>
+                              <p:cond delay="0"/>
+                            </p:stCondLst>
+                            <p:childTnLst>
+                              <p:par>
+                                <p:cTn id="5" presetID="1" presetClass="entr" presetSubtype="0" fill="hold" nodeType="clickEffect">
+                                  <p:stCondLst>
+                                    <p:cond delay="0"/>
+                                  </p:stCondLst>
+                                  <p:childTnLst>
+                                    <p:set>
+                                      <p:cBhvr>
+                                        <p:cTn id="6" dur="1" fill="hold">
+                                          <p:stCondLst>
+                                            <p:cond delay="0"/>
+                                          </p:stCondLst>
+                                        </p:cTn>
+                                        <p:tgtEl>
+                                          <p:spTgt spid="2">
+                                            <p:txEl>
+                                              <p:pRg st="0" end="0"/>
+                                            </p:txEl>
+                                          </p:spTgt>
+                                        </p:tgtEl>
+                                        <p:attrNameLst>
+                                          <p:attrName>style.visibility</p:attrName>
+                                        </p:attrNameLst>
+                                      </p:cBhvr>
+                                      <p:to>
+                                        <p:strVal val="visible"/>
+                                      </p:to>
+                                    </p:set>
+                                  </p:childTnLst>
+                                </p:cTn>
+                              </p:par>
+                              <p:par>
+                                <p:cTn id="7" presetID="1" presetClass="entr" presetSubtype="0" fill="hold" nodeType="withEffect">
+                                  <p:stCondLst>
+                                    <p:cond delay="0"/>
+                                  </p:stCondLst>
+                                  <p:childTnLst>
+                                    <p:set>
+                                      <p:cBhvr>
+                                        <p:cTn id="8" dur="1" fill="hold">
+                                          <p:stCondLst>
+                                            <p:cond delay="0"/>
+                                          </p:stCondLst>
+                                        </p:cTn>
+                                        <p:tgtEl>
+                                          <p:spTgt spid="2">
+                                            <p:txEl>
+                                              <p:pRg st="1" end="1"/>
+                                            </p:txEl>
+                                          </p:spTgt>
+                                        </p:tgtEl>
+                                        <p:attrNameLst>
+                                          <p:attrName>style.visibility</p:attrName>
+                                        </p:attrNameLst>
+                                      </p:cBhvr>
+                                      <p:to>
+                                        <p:strVal val="visible"/>
+                                      </p:to>
+                                    </p:set>
+                                  </p:childTnLst>
+                                </p:cTn>
+                              </p:par>
+                              <p:par>
+                                <p:cTn id="9" presetID="1" presetClass="entr" presetSubtype="0" fill="hold" nodeType="withEffect">
+                                  <p:stCondLst>
+                                    <p:cond delay="0"/>
+                                  </p:stCondLst>
+                                  <p:childTnLst>
+                                    <p:set>
+                                      <p:cBhvr>
+                                        <p:cTn id="10" dur="1" fill="hold">
+                                          <p:stCondLst>
+                                            <p:cond delay="0"/>
+                                          </p:stCondLst>
+                                        </p:cTn>
+                                        <p:tgtEl>
+                                          <p:spTgt spid="2">
+                                            <p:txEl>
+                                              <p:pRg st="2" end="2"/>
+                                            </p:txEl>
+                                          </p:spTgt>
+                                        </p:tgtEl>
+                                        <p:attrNameLst>
+                                          <p:attrName>style.visibility</p:attrName>
+                                        </p:attrNameLst>
+                                      </p:cBhvr>
+                                      <p:to>
+                                        <p:strVal val="visible"/>
+                                      </p:to>
+                                    </p:set>
+                                  </p:childTnLst>
+                                </p:cTn>
+                              </p:par>
+                            </p:childTnLst>
+                          </p:cTn>
+                        </p:par>
+                      </p:childTnLst>
+                    </p:cTn>
+                  </p:par>
+                  <p:par>
+                    <p:cTn id="11" fill="hold">
+                      <p:stCondLst>
+                        <p:cond delay="indefinite"/>
+                      </p:stCondLst>
+                      <p:childTnLst>
+                        <p:par>
+                          <p:cTn id="12" fill="hold">
+                            <p:stCondLst>
+                              <p:cond delay="0"/>
+                            </p:stCondLst>
+                            <p:childTnLst>
+                              <p:par>
+                                <p:cTn id="13" presetID="1" presetClass="entr" presetSubtype="0" fill="hold" nodeType="clickEffect">
+                                  <p:stCondLst>
+                                    <p:cond delay="0"/>
+                                  </p:stCondLst>
+                                  <p:childTnLst>
+                                    <p:set>
+                                      <p:cBhvr>
+                                        <p:cTn id="14" dur="1" fill="hold">
+                                          <p:stCondLst>
+                                            <p:cond delay="0"/>
+                                          </p:stCondLst>
+                                        </p:cTn>
+                                        <p:tgtEl>
+                                          <p:spTgt spid="2">
+                                            <p:txEl>
+                                              <p:pRg st="4" end="4"/>
+                                            </p:txEl>
+                                          </p:spTgt>
+                                        </p:tgtEl>
+                                        <p:attrNameLst>
+                                          <p:attrName>style.visibility</p:attrName>
+                                        </p:attrNameLst>
+                                      </p:cBhvr>
+                                      <p:to>
+                                        <p:strVal val="visible"/>
+                                      </p:to>
+                                    </p:set>
+                                  </p:childTnLst>
+                                </p:cTn>
+                              </p:par>
+                              <p:par>
+                                <p:cTn id="15" presetID="1" presetClass="entr" presetSubtype="0" fill="hold" nodeType="withEffect">
+                                  <p:stCondLst>
+                                    <p:cond delay="0"/>
+                                  </p:stCondLst>
+                                  <p:childTnLst>
+                                    <p:set>
+                                      <p:cBhvr>
+                                        <p:cTn id="16" dur="1" fill="hold">
+                                          <p:stCondLst>
+                                            <p:cond delay="0"/>
+                                          </p:stCondLst>
+                                        </p:cTn>
+                                        <p:tgtEl>
+                                          <p:spTgt spid="2">
+                                            <p:txEl>
+                                              <p:pRg st="5" end="5"/>
+                                            </p:txEl>
+                                          </p:spTgt>
+                                        </p:tgtEl>
+                                        <p:attrNameLst>
+                                          <p:attrName>style.visibility</p:attrName>
+                                        </p:attrNameLst>
+                                      </p:cBhvr>
+                                      <p:to>
+                                        <p:strVal val="visible"/>
+                                      </p:to>
+                                    </p:set>
+                                  </p:childTnLst>
+                                </p:cTn>
+                              </p:par>
+                              <p:par>
+                                <p:cTn id="17" presetID="1" presetClass="entr" presetSubtype="0" fill="hold" nodeType="withEffect">
+                                  <p:stCondLst>
+                                    <p:cond delay="0"/>
+                                  </p:stCondLst>
+                                  <p:childTnLst>
+                                    <p:set>
+                                      <p:cBhvr>
+                                        <p:cTn id="18" dur="1" fill="hold">
+                                          <p:stCondLst>
+                                            <p:cond delay="0"/>
+                                          </p:stCondLst>
+                                        </p:cTn>
+                                        <p:tgtEl>
+                                          <p:spTgt spid="2">
+                                            <p:txEl>
+                                              <p:pRg st="6" end="6"/>
+                                            </p:txEl>
+                                          </p:spTgt>
+                                        </p:tgtEl>
+                                        <p:attrNameLst>
+                                          <p:attrName>style.visibility</p:attrName>
+                                        </p:attrNameLst>
+                                      </p:cBhvr>
+                                      <p:to>
+                                        <p:strVal val="visible"/>
+                                      </p:to>
+                                    </p:set>
+                                  </p:childTnLst>
+                                </p:cTn>
+                              </p:par>
+                              <p:par>
+                                <p:cTn id="19" presetID="1" presetClass="entr" presetSubtype="0" fill="hold" nodeType="withEffect">
+                                  <p:stCondLst>
+                                    <p:cond delay="0"/>
+                                  </p:stCondLst>
+                                  <p:childTnLst>
+                                    <p:set>
+                                      <p:cBhvr>
+                                        <p:cTn id="20" dur="1" fill="hold">
+                                          <p:stCondLst>
+                                            <p:cond delay="0"/>
+                                          </p:stCondLst>
+                                        </p:cTn>
+                                        <p:tgtEl>
+                                          <p:spTgt spid="2">
+                                            <p:txEl>
+                                              <p:pRg st="7" end="7"/>
+                                            </p:txEl>
+                                          </p:spTgt>
+                                        </p:tgtEl>
+                                        <p:attrNameLst>
+                                          <p:attrName>style.visibility</p:attrName>
+                                        </p:attrNameLst>
+                                      </p:cBhvr>
+                                      <p:to>
+                                        <p:strVal val="visible"/>
+                                      </p:to>
+                                    </p:set>
+                                  </p:childTnLst>
+                                </p:cTn>
+                              </p:par>
+                            </p:childTnLst>
+                          </p:cTn>
+                        </p:par>
+                      </p:childTnLst>
+                    </p:cTn>
+                  </p:par>
+                </p:childTnLst>
+              </p:cTn>
+              <p:prevCondLst>
+                <p:cond evt="onPrev" delay="0">
+                  <p:tgtEl>
+                    <p:sldTgt/>
+                  </p:tgtEl>
+                </p:cond>
+              </p:prevCondLst>
+              <p:nextCondLst>
+                <p:cond evt="onNext" delay="0">
+                  <p:tgtEl>
+                    <p:sldTgt/>
+                  </p:tgtEl>
+                </p:cond>
+              </p:nextCondLst>
+            </p:seq>
+          </p:childTnLst>
+        </p:cTn>
+      </p:par>
+    </p:tnLst>
+  </p:timing>
 </p:sld>
 </file>
 

--- a/docs/2018-04-13-parallel-tools.pptx
+++ b/docs/2018-04-13-parallel-tools.pptx
@@ -22468,14 +22468,14 @@
             <p:ph sz="quarter" idx="14"/>
             <p:extLst>
               <p:ext uri="{D42A27DB-BD31-4B8C-83A1-F6EECF244321}">
-                <p14:modId xmlns:p14="http://schemas.microsoft.com/office/powerpoint/2010/main" val="529533404"/>
+                <p14:modId xmlns:p14="http://schemas.microsoft.com/office/powerpoint/2010/main" val="1375499926"/>
               </p:ext>
             </p:extLst>
           </p:nvPr>
         </p:nvGraphicFramePr>
         <p:xfrm>
-          <a:off x="287338" y="1584324"/>
-          <a:ext cx="8567736" cy="5106190"/>
+          <a:off x="287338" y="1584325"/>
+          <a:ext cx="8567736" cy="4854575"/>
         </p:xfrm>
         <a:graphic>
           <a:graphicData uri="http://schemas.openxmlformats.org/drawingml/2006/table">
@@ -22506,7 +22506,7 @@
                   </a:extLst>
                 </a:gridCol>
               </a:tblGrid>
-              <a:tr h="510619">
+              <a:tr h="441325">
                 <a:tc>
                   <a:txBody>
                     <a:bodyPr/>
@@ -22552,7 +22552,7 @@
                   </a:ext>
                 </a:extLst>
               </a:tr>
-              <a:tr h="510619">
+              <a:tr h="441325">
                 <a:tc>
                   <a:txBody>
                     <a:bodyPr/>
@@ -22598,7 +22598,7 @@
                   </a:ext>
                 </a:extLst>
               </a:tr>
-              <a:tr h="510619">
+              <a:tr h="441325">
                 <a:tc>
                   <a:txBody>
                     <a:bodyPr/>
@@ -22644,7 +22644,7 @@
                   </a:ext>
                 </a:extLst>
               </a:tr>
-              <a:tr h="510619">
+              <a:tr h="441325">
                 <a:tc>
                   <a:txBody>
                     <a:bodyPr/>
@@ -22698,7 +22698,7 @@
                   </a:ext>
                 </a:extLst>
               </a:tr>
-              <a:tr h="510619">
+              <a:tr h="441325">
                 <a:tc>
                   <a:txBody>
                     <a:bodyPr/>
@@ -22748,7 +22748,7 @@
                   </a:ext>
                 </a:extLst>
               </a:tr>
-              <a:tr h="510619">
+              <a:tr h="441325">
                 <a:tc>
                   <a:txBody>
                     <a:bodyPr/>
@@ -22799,7 +22799,7 @@
                   </a:ext>
                 </a:extLst>
               </a:tr>
-              <a:tr h="510619">
+              <a:tr h="441325">
                 <a:tc>
                   <a:txBody>
                     <a:bodyPr/>
@@ -22845,7 +22845,7 @@
                   </a:ext>
                 </a:extLst>
               </a:tr>
-              <a:tr h="510619">
+              <a:tr h="441325">
                 <a:tc>
                   <a:txBody>
                     <a:bodyPr/>
@@ -22901,7 +22901,7 @@
                   </a:ext>
                 </a:extLst>
               </a:tr>
-              <a:tr h="510619">
+              <a:tr h="441325">
                 <a:tc>
                   <a:txBody>
                     <a:bodyPr/>
@@ -22956,13 +22956,16 @@
                   </a:ext>
                 </a:extLst>
               </a:tr>
-              <a:tr h="510619">
+              <a:tr h="441325">
                 <a:tc>
                   <a:txBody>
                     <a:bodyPr/>
                     <a:lstStyle/>
                     <a:p>
-                      <a:endParaRPr lang="en-US" dirty="0"/>
+                      <a:r>
+                        <a:rPr lang="en-US" dirty="0"/>
+                        <a:t>metal</a:t>
+                      </a:r>
                     </a:p>
                   </a:txBody>
                   <a:tcPr/>
@@ -22972,7 +22975,18 @@
                     <a:bodyPr/>
                     <a:lstStyle/>
                     <a:p>
-                      <a:endParaRPr lang="en-US" dirty="0"/>
+                      <a:r>
+                        <a:rPr lang="en-US" dirty="0"/>
+                        <a:t>module load </a:t>
+                      </a:r>
+                      <a:r>
+                        <a:rPr lang="en-US" dirty="0" err="1"/>
+                        <a:t>eb</a:t>
+                      </a:r>
+                      <a:r>
+                        <a:rPr lang="en-US" dirty="0"/>
+                        <a:t> Metal</a:t>
+                      </a:r>
                     </a:p>
                   </a:txBody>
                   <a:tcPr/>
@@ -22982,7 +22996,10 @@
                     <a:bodyPr/>
                     <a:lstStyle/>
                     <a:p>
-                      <a:endParaRPr lang="en-US" b="1" dirty="0"/>
+                      <a:r>
+                        <a:rPr lang="en-US" b="0" dirty="0"/>
+                        <a:t>no</a:t>
+                      </a:r>
                     </a:p>
                   </a:txBody>
                   <a:tcPr/>
@@ -22990,6 +23007,52 @@
                 <a:extLst>
                   <a:ext uri="{0D108BD9-81ED-4DB2-BD59-A6C34878D82A}">
                     <a16:rowId xmlns:a16="http://schemas.microsoft.com/office/drawing/2014/main" val="2045580601"/>
+                  </a:ext>
+                </a:extLst>
+              </a:tr>
+              <a:tr h="441325">
+                <a:tc>
+                  <a:txBody>
+                    <a:bodyPr/>
+                    <a:lstStyle/>
+                    <a:p>
+                      <a:r>
+                        <a:rPr lang="en-US" dirty="0"/>
+                        <a:t>impute2</a:t>
+                      </a:r>
+                    </a:p>
+                  </a:txBody>
+                  <a:tcPr/>
+                </a:tc>
+                <a:tc>
+                  <a:txBody>
+                    <a:bodyPr/>
+                    <a:lstStyle/>
+                    <a:p>
+                      <a:r>
+                        <a:rPr lang="en-US" dirty="0"/>
+                        <a:t>module load IMPUTE2</a:t>
+                      </a:r>
+                    </a:p>
+                  </a:txBody>
+                  <a:tcPr/>
+                </a:tc>
+                <a:tc>
+                  <a:txBody>
+                    <a:bodyPr/>
+                    <a:lstStyle/>
+                    <a:p>
+                      <a:r>
+                        <a:rPr lang="en-US" b="0" dirty="0"/>
+                        <a:t>no</a:t>
+                      </a:r>
+                    </a:p>
+                  </a:txBody>
+                  <a:tcPr/>
+                </a:tc>
+                <a:extLst>
+                  <a:ext uri="{0D108BD9-81ED-4DB2-BD59-A6C34878D82A}">
+                    <a16:rowId xmlns:a16="http://schemas.microsoft.com/office/drawing/2014/main" val="2204789879"/>
                   </a:ext>
                 </a:extLst>
               </a:tr>
